--- a/views_airplane.pptx
+++ b/views_airplane.pptx
@@ -5,17 +5,19 @@
     <p:sldMasterId id="2147483648" r:id="rId1"/>
   </p:sldMasterIdLst>
   <p:sldIdLst>
-    <p:sldId id="259" r:id="rId2"/>
-    <p:sldId id="256" r:id="rId3"/>
-    <p:sldId id="260" r:id="rId4"/>
-    <p:sldId id="257" r:id="rId5"/>
-    <p:sldId id="258" r:id="rId6"/>
-    <p:sldId id="261" r:id="rId7"/>
-    <p:sldId id="262" r:id="rId8"/>
-    <p:sldId id="263" r:id="rId9"/>
-    <p:sldId id="264" r:id="rId10"/>
-    <p:sldId id="265" r:id="rId11"/>
-    <p:sldId id="266" r:id="rId12"/>
+    <p:sldId id="267" r:id="rId2"/>
+    <p:sldId id="268" r:id="rId3"/>
+    <p:sldId id="259" r:id="rId4"/>
+    <p:sldId id="256" r:id="rId5"/>
+    <p:sldId id="260" r:id="rId6"/>
+    <p:sldId id="257" r:id="rId7"/>
+    <p:sldId id="258" r:id="rId8"/>
+    <p:sldId id="261" r:id="rId9"/>
+    <p:sldId id="262" r:id="rId10"/>
+    <p:sldId id="263" r:id="rId11"/>
+    <p:sldId id="264" r:id="rId12"/>
+    <p:sldId id="265" r:id="rId13"/>
+    <p:sldId id="266" r:id="rId14"/>
   </p:sldIdLst>
   <p:sldSz cx="9144000" cy="6858000" type="screen4x3"/>
   <p:notesSz cx="6858000" cy="9144000"/>
@@ -298,7 +300,7 @@
           <a:p>
             <a:fld id="{84D642EF-3491-BB4F-9AA3-265FFB0D422E}" type="datetimeFigureOut">
               <a:rPr lang="en-US" smtClean="0"/>
-              <a:t>10/12/16</a:t>
+              <a:t>10/13/2016</a:t>
             </a:fld>
             <a:endParaRPr lang="en-US"/>
           </a:p>
@@ -468,7 +470,7 @@
           <a:p>
             <a:fld id="{84D642EF-3491-BB4F-9AA3-265FFB0D422E}" type="datetimeFigureOut">
               <a:rPr lang="en-US" smtClean="0"/>
-              <a:t>10/12/16</a:t>
+              <a:t>10/13/2016</a:t>
             </a:fld>
             <a:endParaRPr lang="en-US"/>
           </a:p>
@@ -648,7 +650,7 @@
           <a:p>
             <a:fld id="{84D642EF-3491-BB4F-9AA3-265FFB0D422E}" type="datetimeFigureOut">
               <a:rPr lang="en-US" smtClean="0"/>
-              <a:t>10/12/16</a:t>
+              <a:t>10/13/2016</a:t>
             </a:fld>
             <a:endParaRPr lang="en-US"/>
           </a:p>
@@ -818,7 +820,7 @@
           <a:p>
             <a:fld id="{84D642EF-3491-BB4F-9AA3-265FFB0D422E}" type="datetimeFigureOut">
               <a:rPr lang="en-US" smtClean="0"/>
-              <a:t>10/12/16</a:t>
+              <a:t>10/13/2016</a:t>
             </a:fld>
             <a:endParaRPr lang="en-US"/>
           </a:p>
@@ -1064,7 +1066,7 @@
           <a:p>
             <a:fld id="{84D642EF-3491-BB4F-9AA3-265FFB0D422E}" type="datetimeFigureOut">
               <a:rPr lang="en-US" smtClean="0"/>
-              <a:t>10/12/16</a:t>
+              <a:t>10/13/2016</a:t>
             </a:fld>
             <a:endParaRPr lang="en-US"/>
           </a:p>
@@ -1352,7 +1354,7 @@
           <a:p>
             <a:fld id="{84D642EF-3491-BB4F-9AA3-265FFB0D422E}" type="datetimeFigureOut">
               <a:rPr lang="en-US" smtClean="0"/>
-              <a:t>10/12/16</a:t>
+              <a:t>10/13/2016</a:t>
             </a:fld>
             <a:endParaRPr lang="en-US"/>
           </a:p>
@@ -1774,7 +1776,7 @@
           <a:p>
             <a:fld id="{84D642EF-3491-BB4F-9AA3-265FFB0D422E}" type="datetimeFigureOut">
               <a:rPr lang="en-US" smtClean="0"/>
-              <a:t>10/12/16</a:t>
+              <a:t>10/13/2016</a:t>
             </a:fld>
             <a:endParaRPr lang="en-US"/>
           </a:p>
@@ -1892,7 +1894,7 @@
           <a:p>
             <a:fld id="{84D642EF-3491-BB4F-9AA3-265FFB0D422E}" type="datetimeFigureOut">
               <a:rPr lang="en-US" smtClean="0"/>
-              <a:t>10/12/16</a:t>
+              <a:t>10/13/2016</a:t>
             </a:fld>
             <a:endParaRPr lang="en-US"/>
           </a:p>
@@ -1987,7 +1989,7 @@
           <a:p>
             <a:fld id="{84D642EF-3491-BB4F-9AA3-265FFB0D422E}" type="datetimeFigureOut">
               <a:rPr lang="en-US" smtClean="0"/>
-              <a:t>10/12/16</a:t>
+              <a:t>10/13/2016</a:t>
             </a:fld>
             <a:endParaRPr lang="en-US"/>
           </a:p>
@@ -2264,7 +2266,7 @@
           <a:p>
             <a:fld id="{84D642EF-3491-BB4F-9AA3-265FFB0D422E}" type="datetimeFigureOut">
               <a:rPr lang="en-US" smtClean="0"/>
-              <a:t>10/12/16</a:t>
+              <a:t>10/13/2016</a:t>
             </a:fld>
             <a:endParaRPr lang="en-US"/>
           </a:p>
@@ -2517,7 +2519,7 @@
           <a:p>
             <a:fld id="{84D642EF-3491-BB4F-9AA3-265FFB0D422E}" type="datetimeFigureOut">
               <a:rPr lang="en-US" smtClean="0"/>
-              <a:t>10/12/16</a:t>
+              <a:t>10/13/2016</a:t>
             </a:fld>
             <a:endParaRPr lang="en-US"/>
           </a:p>
@@ -2730,7 +2732,7 @@
           <a:p>
             <a:fld id="{84D642EF-3491-BB4F-9AA3-265FFB0D422E}" type="datetimeFigureOut">
               <a:rPr lang="en-US" smtClean="0"/>
-              <a:t>10/12/16</a:t>
+              <a:t>10/13/2016</a:t>
             </a:fld>
             <a:endParaRPr lang="en-US"/>
           </a:p>
@@ -3105,87 +3107,16 @@
           <a:chExt cx="0" cy="0"/>
         </a:xfrm>
       </p:grpSpPr>
-      <p:pic>
-        <p:nvPicPr>
-          <p:cNvPr id="2" name="Picture 1"/>
-          <p:cNvPicPr>
-            <a:picLocks noChangeAspect="1"/>
-          </p:cNvPicPr>
-          <p:nvPr/>
-        </p:nvPicPr>
-        <p:blipFill>
-          <a:blip r:embed="rId2"/>
-          <a:stretch>
-            <a:fillRect/>
-          </a:stretch>
-        </p:blipFill>
-        <p:spPr>
-          <a:xfrm>
-            <a:off x="0" y="990600"/>
-            <a:ext cx="9144000" cy="4857750"/>
-          </a:xfrm>
-          <a:prstGeom prst="rect">
-            <a:avLst/>
-          </a:prstGeom>
-        </p:spPr>
-      </p:pic>
-      <p:pic>
-        <p:nvPicPr>
-          <p:cNvPr id="3" name="Picture 2"/>
-          <p:cNvPicPr>
-            <a:picLocks noChangeAspect="1"/>
-          </p:cNvPicPr>
-          <p:nvPr/>
-        </p:nvPicPr>
-        <p:blipFill>
-          <a:blip r:embed="rId3"/>
-          <a:stretch>
-            <a:fillRect/>
-          </a:stretch>
-        </p:blipFill>
-        <p:spPr>
-          <a:xfrm>
-            <a:off x="3952166" y="3429000"/>
-            <a:ext cx="5981700" cy="4089400"/>
-          </a:xfrm>
-          <a:prstGeom prst="rect">
-            <a:avLst/>
-          </a:prstGeom>
-        </p:spPr>
-      </p:pic>
-      <p:pic>
-        <p:nvPicPr>
-          <p:cNvPr id="4" name="Picture 3"/>
-          <p:cNvPicPr>
-            <a:picLocks noChangeAspect="1"/>
-          </p:cNvPicPr>
-          <p:nvPr/>
-        </p:nvPicPr>
-        <p:blipFill rotWithShape="1">
-          <a:blip r:embed="rId4"/>
-          <a:srcRect l="13726" t="26315" r="12959" b="35724"/>
-          <a:stretch/>
-        </p:blipFill>
-        <p:spPr>
-          <a:xfrm>
-            <a:off x="-2932846" y="1852801"/>
-            <a:ext cx="13770024" cy="5005199"/>
-          </a:xfrm>
-          <a:prstGeom prst="rect">
-            <a:avLst/>
-          </a:prstGeom>
-        </p:spPr>
-      </p:pic>
-      <p:sp>
-        <p:nvSpPr>
-          <p:cNvPr id="5" name="TextBox 4"/>
+      <p:sp>
+        <p:nvSpPr>
+          <p:cNvPr id="2" name="TextBox 1"/>
           <p:cNvSpPr txBox="1"/>
           <p:nvPr/>
         </p:nvSpPr>
         <p:spPr>
           <a:xfrm>
-            <a:off x="153006" y="229492"/>
-            <a:ext cx="4406562" cy="369332"/>
+            <a:off x="84666" y="103201"/>
+            <a:ext cx="3363927" cy="523220"/>
           </a:xfrm>
           <a:prstGeom prst="rect">
             <a:avLst/>
@@ -3199,9 +3130,125 @@
           <a:lstStyle/>
           <a:p>
             <a:r>
+              <a:rPr lang="en-US" sz="2800" dirty="0" smtClean="0"/>
+              <a:t>Instructions</a:t>
+            </a:r>
+            <a:endParaRPr lang="en-US" sz="2800" dirty="0"/>
+          </a:p>
+        </p:txBody>
+      </p:sp>
+      <p:sp>
+        <p:nvSpPr>
+          <p:cNvPr id="4" name="TextBox 3"/>
+          <p:cNvSpPr txBox="1"/>
+          <p:nvPr/>
+        </p:nvSpPr>
+        <p:spPr>
+          <a:xfrm>
+            <a:off x="84667" y="778115"/>
+            <a:ext cx="7766110" cy="2585323"/>
+          </a:xfrm>
+          <a:prstGeom prst="rect">
+            <a:avLst/>
+          </a:prstGeom>
+          <a:noFill/>
+        </p:spPr>
+        <p:txBody>
+          <a:bodyPr wrap="square" rtlCol="0">
+            <a:spAutoFit/>
+          </a:bodyPr>
+          <a:lstStyle/>
+          <a:p>
+            <a:pPr marL="342900" indent="-342900">
+              <a:buFont typeface="+mj-lt"/>
+              <a:buAutoNum type="arabicPeriod"/>
+            </a:pPr>
+            <a:r>
               <a:rPr lang="en-US" dirty="0" smtClean="0"/>
-              <a:t>SR22</a:t>
-            </a:r>
+              <a:t>Copy/paste </a:t>
+            </a:r>
+            <a:r>
+              <a:rPr lang="en-US" dirty="0" smtClean="0"/>
+              <a:t>view</a:t>
+            </a:r>
+          </a:p>
+          <a:p>
+            <a:pPr marL="342900" indent="-342900">
+              <a:buFont typeface="+mj-lt"/>
+              <a:buAutoNum type="arabicPeriod"/>
+            </a:pPr>
+            <a:r>
+              <a:rPr lang="en-US" dirty="0" smtClean="0"/>
+              <a:t>Remove background</a:t>
+            </a:r>
+          </a:p>
+          <a:p>
+            <a:pPr marL="342900" indent="-342900">
+              <a:buFont typeface="+mj-lt"/>
+              <a:buAutoNum type="arabicPeriod"/>
+            </a:pPr>
+            <a:r>
+              <a:rPr lang="en-US" dirty="0" smtClean="0"/>
+              <a:t>Format Picture:</a:t>
+            </a:r>
+          </a:p>
+          <a:p>
+            <a:pPr marL="800100" lvl="1" indent="-342900">
+              <a:buFont typeface="+mj-lt"/>
+              <a:buAutoNum type="arabicPeriod"/>
+            </a:pPr>
+            <a:r>
+              <a:rPr lang="en-US" dirty="0" smtClean="0"/>
+              <a:t>Brightness: -100%</a:t>
+            </a:r>
+          </a:p>
+          <a:p>
+            <a:pPr marL="800100" lvl="1" indent="-342900">
+              <a:buFont typeface="+mj-lt"/>
+              <a:buAutoNum type="arabicPeriod"/>
+            </a:pPr>
+            <a:r>
+              <a:rPr lang="en-US" dirty="0" smtClean="0"/>
+              <a:t>Contrast: 100%</a:t>
+            </a:r>
+            <a:endParaRPr lang="en-US" dirty="0" smtClean="0"/>
+          </a:p>
+          <a:p>
+            <a:pPr marL="342900" indent="-342900">
+              <a:buFont typeface="+mj-lt"/>
+              <a:buAutoNum type="arabicPeriod"/>
+            </a:pPr>
+            <a:r>
+              <a:rPr lang="en-US" dirty="0" smtClean="0"/>
+              <a:t>Scale large photo: width is aircraft length in meters</a:t>
+            </a:r>
+          </a:p>
+          <a:p>
+            <a:pPr marL="342900" indent="-342900">
+              <a:buFont typeface="+mj-lt"/>
+              <a:buAutoNum type="arabicPeriod"/>
+            </a:pPr>
+            <a:r>
+              <a:rPr lang="en-US" dirty="0" smtClean="0"/>
+              <a:t>Scale small photo: width is (aircraft length in meters) / (10)</a:t>
+            </a:r>
+          </a:p>
+          <a:p>
+            <a:pPr marL="342900" indent="-342900">
+              <a:buFont typeface="+mj-lt"/>
+              <a:buAutoNum type="arabicPeriod"/>
+            </a:pPr>
+            <a:r>
+              <a:rPr lang="en-US" dirty="0" smtClean="0"/>
+              <a:t>Save photos as PNG</a:t>
+            </a:r>
+            <a:endParaRPr lang="en-US" dirty="0" smtClean="0"/>
+          </a:p>
+          <a:p>
+            <a:pPr marL="342900" indent="-342900">
+              <a:buFont typeface="+mj-lt"/>
+              <a:buAutoNum type="arabicPeriod"/>
+            </a:pPr>
             <a:endParaRPr lang="en-US" dirty="0"/>
           </a:p>
         </p:txBody>
@@ -3209,13 +3256,20 @@
     </p:spTree>
     <p:extLst>
       <p:ext uri="{BB962C8B-B14F-4D97-AF65-F5344CB8AC3E}">
-        <p14:creationId xmlns:p14="http://schemas.microsoft.com/office/powerpoint/2010/main" val="3984212436"/>
+        <p14:creationId xmlns:p14="http://schemas.microsoft.com/office/powerpoint/2010/main" val="3249875850"/>
       </p:ext>
     </p:extLst>
   </p:cSld>
   <p:clrMapOvr>
     <a:masterClrMapping/>
   </p:clrMapOvr>
+  <p:timing>
+    <p:tnLst>
+      <p:par>
+        <p:cTn id="1" dur="indefinite" restart="never" nodeType="tmRoot"/>
+      </p:par>
+    </p:tnLst>
+  </p:timing>
 </p:sld>
 </file>
 
@@ -3260,7 +3314,7 @@
           <a:p>
             <a:r>
               <a:rPr lang="en-US" dirty="0" smtClean="0"/>
-              <a:t>G V</a:t>
+              <a:t>Citation III</a:t>
             </a:r>
             <a:endParaRPr lang="en-US" dirty="0"/>
           </a:p>
@@ -3268,22 +3322,38 @@
       </p:sp>
       <p:pic>
         <p:nvPicPr>
-          <p:cNvPr id="3" name="Picture 2"/>
+          <p:cNvPr id="5" name="Picture 4"/>
           <p:cNvPicPr>
             <a:picLocks noChangeAspect="1"/>
           </p:cNvPicPr>
           <p:nvPr/>
         </p:nvPicPr>
-        <p:blipFill>
-          <a:blip r:embed="rId2"/>
-          <a:stretch>
-            <a:fillRect/>
-          </a:stretch>
+        <p:blipFill rotWithShape="1">
+          <a:blip r:embed="rId2">
+            <a:extLst>
+              <a:ext uri="{BEBA8EAE-BF5A-486C-A8C5-ECC9F3942E4B}">
+                <a14:imgProps xmlns:a14="http://schemas.microsoft.com/office/drawing/2010/main">
+                  <a14:imgLayer r:embed="rId3">
+                    <a14:imgEffect>
+                      <a14:backgroundRemoval t="5063" b="93671" l="1818" r="99091">
+                        <a14:foregroundMark x1="14091" y1="58228" x2="14091" y2="58228"/>
+                      </a14:backgroundRemoval>
+                    </a14:imgEffect>
+                    <a14:imgEffect>
+                      <a14:brightnessContrast bright="-100000" contrast="100000"/>
+                    </a14:imgEffect>
+                  </a14:imgLayer>
+                </a14:imgProps>
+              </a:ext>
+            </a:extLst>
+          </a:blip>
+          <a:srcRect l="2614" t="7658" r="1809" b="13440"/>
+          <a:stretch/>
         </p:blipFill>
         <p:spPr>
-          <a:xfrm>
-            <a:off x="609600" y="2324100"/>
-            <a:ext cx="7912100" cy="2197100"/>
+          <a:xfrm flipH="1">
+            <a:off x="153006" y="1417720"/>
+            <a:ext cx="15608808" cy="4627171"/>
           </a:xfrm>
           <a:prstGeom prst="rect">
             <a:avLst/>
@@ -3293,7 +3363,7 @@
     </p:spTree>
     <p:extLst>
       <p:ext uri="{BB962C8B-B14F-4D97-AF65-F5344CB8AC3E}">
-        <p14:creationId xmlns:p14="http://schemas.microsoft.com/office/powerpoint/2010/main" val="3442784844"/>
+        <p14:creationId xmlns:p14="http://schemas.microsoft.com/office/powerpoint/2010/main" val="1646550649"/>
       </p:ext>
     </p:extLst>
   </p:cSld>
@@ -3344,7 +3414,7 @@
           <a:p>
             <a:r>
               <a:rPr lang="en-US" dirty="0" smtClean="0"/>
-              <a:t>Hawker 800</a:t>
+              <a:t>Falcon 200</a:t>
             </a:r>
             <a:endParaRPr lang="en-US" dirty="0"/>
           </a:p>
@@ -3352,7 +3422,7 @@
       </p:sp>
       <p:pic>
         <p:nvPicPr>
-          <p:cNvPr id="2" name="Picture 1"/>
+          <p:cNvPr id="5" name="Picture 4"/>
           <p:cNvPicPr>
             <a:picLocks noChangeAspect="1"/>
           </p:cNvPicPr>
@@ -3377,9 +3447,229 @@
           </a:stretch>
         </p:blipFill>
         <p:spPr>
+          <a:xfrm flipH="1">
+            <a:off x="0" y="1197810"/>
+            <a:ext cx="15691104" cy="4864242"/>
+          </a:xfrm>
+          <a:prstGeom prst="rect">
+            <a:avLst/>
+          </a:prstGeom>
+        </p:spPr>
+      </p:pic>
+    </p:spTree>
+    <p:extLst>
+      <p:ext uri="{BB962C8B-B14F-4D97-AF65-F5344CB8AC3E}">
+        <p14:creationId xmlns:p14="http://schemas.microsoft.com/office/powerpoint/2010/main" val="2634194483"/>
+      </p:ext>
+    </p:extLst>
+  </p:cSld>
+  <p:clrMapOvr>
+    <a:masterClrMapping/>
+  </p:clrMapOvr>
+</p:sld>
+</file>
+
+<file path=ppt/slides/slide12.xml><?xml version="1.0" encoding="utf-8"?>
+<p:sld xmlns:a="http://schemas.openxmlformats.org/drawingml/2006/main" xmlns:r="http://schemas.openxmlformats.org/officeDocument/2006/relationships" xmlns:p="http://schemas.openxmlformats.org/presentationml/2006/main">
+  <p:cSld>
+    <p:spTree>
+      <p:nvGrpSpPr>
+        <p:cNvPr id="1" name=""/>
+        <p:cNvGrpSpPr/>
+        <p:nvPr/>
+      </p:nvGrpSpPr>
+      <p:grpSpPr>
+        <a:xfrm>
+          <a:off x="0" y="0"/>
+          <a:ext cx="0" cy="0"/>
+          <a:chOff x="0" y="0"/>
+          <a:chExt cx="0" cy="0"/>
+        </a:xfrm>
+      </p:grpSpPr>
+      <p:sp>
+        <p:nvSpPr>
+          <p:cNvPr id="4" name="TextBox 3"/>
+          <p:cNvSpPr txBox="1"/>
+          <p:nvPr/>
+        </p:nvSpPr>
+        <p:spPr>
           <a:xfrm>
-            <a:off x="2032000" y="2578100"/>
-            <a:ext cx="5080000" cy="1689100"/>
+            <a:off x="153006" y="229492"/>
+            <a:ext cx="4406562" cy="369332"/>
+          </a:xfrm>
+          <a:prstGeom prst="rect">
+            <a:avLst/>
+          </a:prstGeom>
+          <a:noFill/>
+        </p:spPr>
+        <p:txBody>
+          <a:bodyPr wrap="square" rtlCol="0">
+            <a:spAutoFit/>
+          </a:bodyPr>
+          <a:lstStyle/>
+          <a:p>
+            <a:r>
+              <a:rPr lang="en-US" dirty="0" smtClean="0"/>
+              <a:t>G V</a:t>
+            </a:r>
+            <a:endParaRPr lang="en-US" dirty="0"/>
+          </a:p>
+        </p:txBody>
+      </p:sp>
+      <p:pic>
+        <p:nvPicPr>
+          <p:cNvPr id="5" name="Picture 2"/>
+          <p:cNvPicPr>
+            <a:picLocks noChangeAspect="1" noChangeArrowheads="1"/>
+          </p:cNvPicPr>
+          <p:nvPr/>
+        </p:nvPicPr>
+        <p:blipFill rotWithShape="1">
+          <a:blip r:embed="rId2">
+            <a:extLst>
+              <a:ext uri="{BEBA8EAE-BF5A-486C-A8C5-ECC9F3942E4B}">
+                <a14:imgProps xmlns:a14="http://schemas.microsoft.com/office/drawing/2010/main">
+                  <a14:imgLayer r:embed="rId3">
+                    <a14:imgEffect>
+                      <a14:backgroundRemoval t="2037" b="38704" l="0" r="84896"/>
+                    </a14:imgEffect>
+                    <a14:imgEffect>
+                      <a14:brightnessContrast bright="-100000" contrast="100000"/>
+                    </a14:imgEffect>
+                  </a14:imgLayer>
+                </a14:imgProps>
+              </a:ext>
+              <a:ext uri="{28A0092B-C50C-407E-A947-70E740481C1C}">
+                <a14:useLocalDpi xmlns:a14="http://schemas.microsoft.com/office/drawing/2010/main" val="0"/>
+              </a:ext>
+            </a:extLst>
+          </a:blip>
+          <a:srcRect l="1000" t="2296" r="15000" b="63778"/>
+          <a:stretch/>
+        </p:blipFill>
+        <p:spPr bwMode="auto">
+          <a:xfrm flipH="1">
+            <a:off x="0" y="779653"/>
+            <a:ext cx="26755344" cy="6078347"/>
+          </a:xfrm>
+          <a:prstGeom prst="rect">
+            <a:avLst/>
+          </a:prstGeom>
+          <a:noFill/>
+          <a:ln>
+            <a:noFill/>
+          </a:ln>
+          <a:extLst>
+            <a:ext uri="{909E8E84-426E-40DD-AFC4-6F175D3DCCD1}">
+              <a14:hiddenFill xmlns:a14="http://schemas.microsoft.com/office/drawing/2010/main">
+                <a:solidFill>
+                  <a:schemeClr val="accent1"/>
+                </a:solidFill>
+              </a14:hiddenFill>
+            </a:ext>
+            <a:ext uri="{91240B29-F687-4F45-9708-019B960494DF}">
+              <a14:hiddenLine xmlns:a14="http://schemas.microsoft.com/office/drawing/2010/main" w="9525">
+                <a:solidFill>
+                  <a:schemeClr val="tx1"/>
+                </a:solidFill>
+                <a:miter lim="800000"/>
+                <a:headEnd/>
+                <a:tailEnd/>
+              </a14:hiddenLine>
+            </a:ext>
+          </a:extLst>
+        </p:spPr>
+      </p:pic>
+    </p:spTree>
+    <p:extLst>
+      <p:ext uri="{BB962C8B-B14F-4D97-AF65-F5344CB8AC3E}">
+        <p14:creationId xmlns:p14="http://schemas.microsoft.com/office/powerpoint/2010/main" val="3442784844"/>
+      </p:ext>
+    </p:extLst>
+  </p:cSld>
+  <p:clrMapOvr>
+    <a:masterClrMapping/>
+  </p:clrMapOvr>
+</p:sld>
+</file>
+
+<file path=ppt/slides/slide13.xml><?xml version="1.0" encoding="utf-8"?>
+<p:sld xmlns:a="http://schemas.openxmlformats.org/drawingml/2006/main" xmlns:r="http://schemas.openxmlformats.org/officeDocument/2006/relationships" xmlns:p="http://schemas.openxmlformats.org/presentationml/2006/main">
+  <p:cSld>
+    <p:spTree>
+      <p:nvGrpSpPr>
+        <p:cNvPr id="1" name=""/>
+        <p:cNvGrpSpPr/>
+        <p:nvPr/>
+      </p:nvGrpSpPr>
+      <p:grpSpPr>
+        <a:xfrm>
+          <a:off x="0" y="0"/>
+          <a:ext cx="0" cy="0"/>
+          <a:chOff x="0" y="0"/>
+          <a:chExt cx="0" cy="0"/>
+        </a:xfrm>
+      </p:grpSpPr>
+      <p:sp>
+        <p:nvSpPr>
+          <p:cNvPr id="4" name="TextBox 3"/>
+          <p:cNvSpPr txBox="1"/>
+          <p:nvPr/>
+        </p:nvSpPr>
+        <p:spPr>
+          <a:xfrm>
+            <a:off x="153006" y="229492"/>
+            <a:ext cx="4406562" cy="369332"/>
+          </a:xfrm>
+          <a:prstGeom prst="rect">
+            <a:avLst/>
+          </a:prstGeom>
+          <a:noFill/>
+        </p:spPr>
+        <p:txBody>
+          <a:bodyPr wrap="square" rtlCol="0">
+            <a:spAutoFit/>
+          </a:bodyPr>
+          <a:lstStyle/>
+          <a:p>
+            <a:r>
+              <a:rPr lang="en-US" dirty="0" smtClean="0"/>
+              <a:t>Hawker 800</a:t>
+            </a:r>
+            <a:endParaRPr lang="en-US" dirty="0"/>
+          </a:p>
+        </p:txBody>
+      </p:sp>
+      <p:pic>
+        <p:nvPicPr>
+          <p:cNvPr id="5" name="Picture 4"/>
+          <p:cNvPicPr>
+            <a:picLocks noChangeAspect="1"/>
+          </p:cNvPicPr>
+          <p:nvPr/>
+        </p:nvPicPr>
+        <p:blipFill>
+          <a:blip r:embed="rId2">
+            <a:extLst>
+              <a:ext uri="{BEBA8EAE-BF5A-486C-A8C5-ECC9F3942E4B}">
+                <a14:imgProps xmlns:a14="http://schemas.microsoft.com/office/drawing/2010/main">
+                  <a14:imgLayer r:embed="rId3">
+                    <a14:imgEffect>
+                      <a14:brightnessContrast bright="-100000" contrast="100000"/>
+                    </a14:imgEffect>
+                  </a14:imgLayer>
+                </a14:imgProps>
+              </a:ext>
+            </a:extLst>
+          </a:blip>
+          <a:stretch>
+            <a:fillRect/>
+          </a:stretch>
+        </p:blipFill>
+        <p:spPr>
+          <a:xfrm flipH="1">
+            <a:off x="153006" y="1311713"/>
+            <a:ext cx="14209776" cy="4724750"/>
           </a:xfrm>
           <a:prstGeom prst="rect">
             <a:avLst/>
@@ -3418,14 +3708,14 @@
       </p:grpSpPr>
       <p:sp>
         <p:nvSpPr>
-          <p:cNvPr id="4" name="TextBox 3"/>
+          <p:cNvPr id="6" name="TextBox 5"/>
           <p:cNvSpPr txBox="1"/>
           <p:nvPr/>
         </p:nvSpPr>
         <p:spPr>
           <a:xfrm>
-            <a:off x="153006" y="229492"/>
-            <a:ext cx="4406562" cy="369332"/>
+            <a:off x="153005" y="229492"/>
+            <a:ext cx="772027" cy="369332"/>
           </a:xfrm>
           <a:prstGeom prst="rect">
             <a:avLst/>
@@ -3440,7 +3730,37 @@
           <a:p>
             <a:r>
               <a:rPr lang="en-US" dirty="0" smtClean="0"/>
-              <a:t>DA-42</a:t>
+              <a:t>SR22</a:t>
+            </a:r>
+            <a:endParaRPr lang="en-US" dirty="0"/>
+          </a:p>
+        </p:txBody>
+      </p:sp>
+      <p:sp>
+        <p:nvSpPr>
+          <p:cNvPr id="7" name="TextBox 6"/>
+          <p:cNvSpPr txBox="1"/>
+          <p:nvPr/>
+        </p:nvSpPr>
+        <p:spPr>
+          <a:xfrm>
+            <a:off x="153005" y="690235"/>
+            <a:ext cx="772027" cy="369332"/>
+          </a:xfrm>
+          <a:prstGeom prst="rect">
+            <a:avLst/>
+          </a:prstGeom>
+          <a:noFill/>
+        </p:spPr>
+        <p:txBody>
+          <a:bodyPr wrap="square" rtlCol="0">
+            <a:spAutoFit/>
+          </a:bodyPr>
+          <a:lstStyle/>
+          <a:p>
+            <a:r>
+              <a:rPr lang="en-US" dirty="0" smtClean="0"/>
+              <a:t>DA42</a:t>
             </a:r>
             <a:endParaRPr lang="en-US" dirty="0"/>
           </a:p>
@@ -3448,38 +3768,779 @@
       </p:sp>
       <p:pic>
         <p:nvPicPr>
-          <p:cNvPr id="5" name="Picture 4"/>
+          <p:cNvPr id="8" name="Picture 7"/>
+          <p:cNvPicPr>
+            <a:picLocks noChangeAspect="1"/>
+          </p:cNvPicPr>
+          <p:nvPr/>
+        </p:nvPicPr>
+        <p:blipFill rotWithShape="1">
+          <a:blip r:embed="rId2">
+            <a:extLst>
+              <a:ext uri="{BEBA8EAE-BF5A-486C-A8C5-ECC9F3942E4B}">
+                <a14:imgProps xmlns:a14="http://schemas.microsoft.com/office/drawing/2010/main">
+                  <a14:imgLayer r:embed="rId3">
+                    <a14:imgEffect>
+                      <a14:backgroundRemoval t="14907" b="84161" l="2548" r="97028">
+                        <a14:foregroundMark x1="8068" y1="35714" x2="8068" y2="35714"/>
+                        <a14:foregroundMark x1="85563" y1="32609" x2="85563" y2="32609"/>
+                        <a14:foregroundMark x1="86200" y1="31988" x2="86200" y2="31988"/>
+                        <a14:foregroundMark x1="86624" y1="31056" x2="86624" y2="31056"/>
+                        <a14:foregroundMark x1="86837" y1="30124" x2="86837" y2="30124"/>
+                        <a14:foregroundMark x1="87473" y1="28571" x2="87473" y2="28571"/>
+                        <a14:foregroundMark x1="85138" y1="33851" x2="85138" y2="33851"/>
+                        <a14:foregroundMark x1="84501" y1="35093" x2="84501" y2="35093"/>
+                      </a14:backgroundRemoval>
+                    </a14:imgEffect>
+                    <a14:imgEffect>
+                      <a14:brightnessContrast bright="-100000" contrast="100000"/>
+                    </a14:imgEffect>
+                  </a14:imgLayer>
+                </a14:imgProps>
+              </a:ext>
+            </a:extLst>
+          </a:blip>
+          <a:srcRect l="3284" t="22477" r="3381" b="24865"/>
+          <a:stretch/>
+        </p:blipFill>
+        <p:spPr>
+          <a:xfrm flipH="1">
+            <a:off x="1871329" y="320193"/>
+            <a:ext cx="722376" cy="278631"/>
+          </a:xfrm>
+          <a:prstGeom prst="rect">
+            <a:avLst/>
+          </a:prstGeom>
+        </p:spPr>
+      </p:pic>
+      <p:pic>
+        <p:nvPicPr>
+          <p:cNvPr id="9" name="Picture 8"/>
           <p:cNvPicPr>
             <a:picLocks noChangeAspect="1"/>
           </p:cNvPicPr>
           <p:nvPr/>
         </p:nvPicPr>
         <p:blipFill>
-          <a:blip r:embed="rId2"/>
+          <a:blip r:embed="rId4">
+            <a:extLst>
+              <a:ext uri="{BEBA8EAE-BF5A-486C-A8C5-ECC9F3942E4B}">
+                <a14:imgProps xmlns:a14="http://schemas.microsoft.com/office/drawing/2010/main">
+                  <a14:imgLayer r:embed="rId5">
+                    <a14:imgEffect>
+                      <a14:backgroundRemoval t="0" b="100000" l="0" r="100000">
+                        <a14:foregroundMark x1="33636" y1="27273" x2="33636" y2="27273"/>
+                        <a14:foregroundMark x1="30000" y1="29091" x2="30000" y2="29091"/>
+                      </a14:backgroundRemoval>
+                    </a14:imgEffect>
+                    <a14:imgEffect>
+                      <a14:brightnessContrast bright="-100000" contrast="100000"/>
+                    </a14:imgEffect>
+                  </a14:imgLayer>
+                </a14:imgProps>
+              </a:ext>
+            </a:extLst>
+          </a:blip>
           <a:stretch>
             <a:fillRect/>
           </a:stretch>
         </p:blipFill>
         <p:spPr>
-          <a:xfrm>
-            <a:off x="573903" y="1803541"/>
-            <a:ext cx="6127743" cy="1531936"/>
+          <a:xfrm flipH="1">
+            <a:off x="1871329" y="777746"/>
+            <a:ext cx="777240" cy="194310"/>
           </a:xfrm>
           <a:prstGeom prst="rect">
             <a:avLst/>
           </a:prstGeom>
         </p:spPr>
       </p:pic>
+      <p:sp>
+        <p:nvSpPr>
+          <p:cNvPr id="10" name="TextBox 9"/>
+          <p:cNvSpPr txBox="1"/>
+          <p:nvPr/>
+        </p:nvSpPr>
+        <p:spPr>
+          <a:xfrm>
+            <a:off x="153005" y="1254354"/>
+            <a:ext cx="1689670" cy="369332"/>
+          </a:xfrm>
+          <a:prstGeom prst="rect">
+            <a:avLst/>
+          </a:prstGeom>
+          <a:noFill/>
+        </p:spPr>
+        <p:txBody>
+          <a:bodyPr wrap="square" rtlCol="0">
+            <a:spAutoFit/>
+          </a:bodyPr>
+          <a:lstStyle/>
+          <a:p>
+            <a:r>
+              <a:rPr lang="en-US" dirty="0" smtClean="0"/>
+              <a:t>Turbo Arrow III</a:t>
+            </a:r>
+            <a:endParaRPr lang="en-US" dirty="0"/>
+          </a:p>
+        </p:txBody>
+      </p:sp>
+      <p:pic>
+        <p:nvPicPr>
+          <p:cNvPr id="11" name="Picture 10"/>
+          <p:cNvPicPr>
+            <a:picLocks noChangeAspect="1"/>
+          </p:cNvPicPr>
+          <p:nvPr/>
+        </p:nvPicPr>
+        <p:blipFill rotWithShape="1">
+          <a:blip r:embed="rId6">
+            <a:extLst>
+              <a:ext uri="{BEBA8EAE-BF5A-486C-A8C5-ECC9F3942E4B}">
+                <a14:imgProps xmlns:a14="http://schemas.microsoft.com/office/drawing/2010/main">
+                  <a14:imgLayer r:embed="rId7">
+                    <a14:imgEffect>
+                      <a14:backgroundRemoval t="2273" b="43561" l="1000" r="100000"/>
+                    </a14:imgEffect>
+                    <a14:imgEffect>
+                      <a14:brightnessContrast bright="-100000" contrast="100000"/>
+                    </a14:imgEffect>
+                  </a14:imgLayer>
+                </a14:imgProps>
+              </a:ext>
+            </a:extLst>
+          </a:blip>
+          <a:srcRect l="2552" t="4090" r="947" b="58183"/>
+          <a:stretch/>
+        </p:blipFill>
+        <p:spPr>
+          <a:xfrm>
+            <a:off x="1871329" y="1295441"/>
+            <a:ext cx="649224" cy="223360"/>
+          </a:xfrm>
+          <a:prstGeom prst="rect">
+            <a:avLst/>
+          </a:prstGeom>
+        </p:spPr>
+      </p:pic>
+      <p:sp>
+        <p:nvSpPr>
+          <p:cNvPr id="12" name="TextBox 11"/>
+          <p:cNvSpPr txBox="1"/>
+          <p:nvPr/>
+        </p:nvSpPr>
+        <p:spPr>
+          <a:xfrm>
+            <a:off x="153005" y="1874585"/>
+            <a:ext cx="1689670" cy="369332"/>
+          </a:xfrm>
+          <a:prstGeom prst="rect">
+            <a:avLst/>
+          </a:prstGeom>
+          <a:noFill/>
+        </p:spPr>
+        <p:txBody>
+          <a:bodyPr wrap="square" rtlCol="0">
+            <a:spAutoFit/>
+          </a:bodyPr>
+          <a:lstStyle/>
+          <a:p>
+            <a:r>
+              <a:rPr lang="en-US" dirty="0" smtClean="0"/>
+              <a:t>T182T</a:t>
+            </a:r>
+            <a:endParaRPr lang="en-US" dirty="0"/>
+          </a:p>
+        </p:txBody>
+      </p:sp>
+      <p:pic>
+        <p:nvPicPr>
+          <p:cNvPr id="13" name="Picture 12"/>
+          <p:cNvPicPr>
+            <a:picLocks noChangeAspect="1"/>
+          </p:cNvPicPr>
+          <p:nvPr/>
+        </p:nvPicPr>
+        <p:blipFill rotWithShape="1">
+          <a:blip r:embed="rId8">
+            <a:extLst>
+              <a:ext uri="{BEBA8EAE-BF5A-486C-A8C5-ECC9F3942E4B}">
+                <a14:imgProps xmlns:a14="http://schemas.microsoft.com/office/drawing/2010/main">
+                  <a14:imgLayer r:embed="rId9">
+                    <a14:imgEffect>
+                      <a14:backgroundRemoval t="56000" b="92444" l="889" r="99111"/>
+                    </a14:imgEffect>
+                    <a14:imgEffect>
+                      <a14:brightnessContrast bright="-100000" contrast="100000"/>
+                    </a14:imgEffect>
+                  </a14:imgLayer>
+                </a14:imgProps>
+              </a:ext>
+            </a:extLst>
+          </a:blip>
+          <a:srcRect l="1809" t="56301" r="1447" b="9701"/>
+          <a:stretch/>
+        </p:blipFill>
+        <p:spPr>
+          <a:xfrm>
+            <a:off x="1871329" y="1966664"/>
+            <a:ext cx="804672" cy="277253"/>
+          </a:xfrm>
+          <a:prstGeom prst="rect">
+            <a:avLst/>
+          </a:prstGeom>
+        </p:spPr>
+      </p:pic>
+      <p:pic>
+        <p:nvPicPr>
+          <p:cNvPr id="14" name="Picture 13"/>
+          <p:cNvPicPr>
+            <a:picLocks noChangeAspect="1"/>
+          </p:cNvPicPr>
+          <p:nvPr/>
+        </p:nvPicPr>
+        <p:blipFill rotWithShape="1">
+          <a:blip r:embed="rId10">
+            <a:extLst>
+              <a:ext uri="{BEBA8EAE-BF5A-486C-A8C5-ECC9F3942E4B}">
+                <a14:imgProps xmlns:a14="http://schemas.microsoft.com/office/drawing/2010/main">
+                  <a14:imgLayer r:embed="rId11">
+                    <a14:imgEffect>
+                      <a14:backgroundRemoval t="0" b="51628" l="2000" r="98000">
+                        <a14:foregroundMark x1="74667" y1="19535" x2="74667" y2="19535"/>
+                        <a14:foregroundMark x1="76333" y1="21395" x2="76333" y2="21395"/>
+                        <a14:foregroundMark x1="50667" y1="21395" x2="50667" y2="21395"/>
+                      </a14:backgroundRemoval>
+                    </a14:imgEffect>
+                    <a14:imgEffect>
+                      <a14:brightnessContrast bright="-100000" contrast="100000"/>
+                    </a14:imgEffect>
+                  </a14:imgLayer>
+                </a14:imgProps>
+              </a:ext>
+            </a:extLst>
+          </a:blip>
+          <a:srcRect l="3386" r="3948" b="50000"/>
+          <a:stretch/>
+        </p:blipFill>
+        <p:spPr>
+          <a:xfrm>
+            <a:off x="1871329" y="2438401"/>
+            <a:ext cx="749808" cy="289944"/>
+          </a:xfrm>
+          <a:prstGeom prst="rect">
+            <a:avLst/>
+          </a:prstGeom>
+        </p:spPr>
+      </p:pic>
+      <p:sp>
+        <p:nvSpPr>
+          <p:cNvPr id="15" name="TextBox 14"/>
+          <p:cNvSpPr txBox="1"/>
+          <p:nvPr/>
+        </p:nvSpPr>
+        <p:spPr>
+          <a:xfrm>
+            <a:off x="153005" y="2359013"/>
+            <a:ext cx="1689670" cy="369332"/>
+          </a:xfrm>
+          <a:prstGeom prst="rect">
+            <a:avLst/>
+          </a:prstGeom>
+          <a:noFill/>
+        </p:spPr>
+        <p:txBody>
+          <a:bodyPr wrap="square" rtlCol="0">
+            <a:spAutoFit/>
+          </a:bodyPr>
+          <a:lstStyle/>
+          <a:p>
+            <a:r>
+              <a:rPr lang="en-US" dirty="0" smtClean="0"/>
+              <a:t>172SP</a:t>
+            </a:r>
+            <a:endParaRPr lang="en-US" dirty="0"/>
+          </a:p>
+        </p:txBody>
+      </p:sp>
+      <p:pic>
+        <p:nvPicPr>
+          <p:cNvPr id="16" name="Picture 15"/>
+          <p:cNvPicPr>
+            <a:picLocks noChangeAspect="1"/>
+          </p:cNvPicPr>
+          <p:nvPr/>
+        </p:nvPicPr>
+        <p:blipFill rotWithShape="1">
+          <a:blip r:embed="rId12">
+            <a:extLst>
+              <a:ext uri="{BEBA8EAE-BF5A-486C-A8C5-ECC9F3942E4B}">
+                <a14:imgProps xmlns:a14="http://schemas.microsoft.com/office/drawing/2010/main">
+                  <a14:imgLayer r:embed="rId13">
+                    <a14:imgEffect>
+                      <a14:backgroundRemoval t="8000" b="91000" l="1500" r="98000">
+                        <a14:backgroundMark x1="29500" y1="52000" x2="29500" y2="52000"/>
+                        <a14:backgroundMark x1="27000" y1="49000" x2="27000" y2="49000"/>
+                      </a14:backgroundRemoval>
+                    </a14:imgEffect>
+                    <a14:imgEffect>
+                      <a14:brightnessContrast bright="-100000" contrast="100000"/>
+                    </a14:imgEffect>
+                  </a14:imgLayer>
+                </a14:imgProps>
+              </a:ext>
+            </a:extLst>
+          </a:blip>
+          <a:srcRect l="2256" r="2160"/>
+          <a:stretch/>
+        </p:blipFill>
+        <p:spPr>
+          <a:xfrm flipH="1">
+            <a:off x="1871329" y="2902097"/>
+            <a:ext cx="768096" cy="401794"/>
+          </a:xfrm>
+          <a:prstGeom prst="rect">
+            <a:avLst/>
+          </a:prstGeom>
+        </p:spPr>
+      </p:pic>
+      <p:sp>
+        <p:nvSpPr>
+          <p:cNvPr id="17" name="TextBox 16"/>
+          <p:cNvSpPr txBox="1"/>
+          <p:nvPr/>
+        </p:nvSpPr>
+        <p:spPr>
+          <a:xfrm>
+            <a:off x="153005" y="2880154"/>
+            <a:ext cx="1689670" cy="369332"/>
+          </a:xfrm>
+          <a:prstGeom prst="rect">
+            <a:avLst/>
+          </a:prstGeom>
+          <a:noFill/>
+        </p:spPr>
+        <p:txBody>
+          <a:bodyPr wrap="square" rtlCol="0">
+            <a:spAutoFit/>
+          </a:bodyPr>
+          <a:lstStyle/>
+          <a:p>
+            <a:r>
+              <a:rPr lang="en-US" dirty="0" smtClean="0"/>
+              <a:t>B36 Bonanza</a:t>
+            </a:r>
+            <a:endParaRPr lang="en-US" dirty="0"/>
+          </a:p>
+        </p:txBody>
+      </p:sp>
+      <p:pic>
+        <p:nvPicPr>
+          <p:cNvPr id="18" name="Picture 2"/>
+          <p:cNvPicPr>
+            <a:picLocks noChangeAspect="1" noChangeArrowheads="1"/>
+          </p:cNvPicPr>
+          <p:nvPr/>
+        </p:nvPicPr>
+        <p:blipFill rotWithShape="1">
+          <a:blip r:embed="rId14">
+            <a:extLst>
+              <a:ext uri="{BEBA8EAE-BF5A-486C-A8C5-ECC9F3942E4B}">
+                <a14:imgProps xmlns:a14="http://schemas.microsoft.com/office/drawing/2010/main">
+                  <a14:imgLayer r:embed="rId15">
+                    <a14:imgEffect>
+                      <a14:backgroundRemoval t="1198" b="94012" l="0" r="98891"/>
+                    </a14:imgEffect>
+                    <a14:imgEffect>
+                      <a14:brightnessContrast bright="-100000" contrast="100000"/>
+                    </a14:imgEffect>
+                  </a14:imgLayer>
+                </a14:imgProps>
+              </a:ext>
+              <a:ext uri="{28A0092B-C50C-407E-A947-70E740481C1C}">
+                <a14:useLocalDpi xmlns:a14="http://schemas.microsoft.com/office/drawing/2010/main" val="0"/>
+              </a:ext>
+            </a:extLst>
+          </a:blip>
+          <a:srcRect l="1428" r="1323"/>
+          <a:stretch/>
+        </p:blipFill>
+        <p:spPr bwMode="auto">
+          <a:xfrm>
+            <a:off x="1871329" y="3522881"/>
+            <a:ext cx="1892808" cy="600809"/>
+          </a:xfrm>
+          <a:prstGeom prst="rect">
+            <a:avLst/>
+          </a:prstGeom>
+          <a:noFill/>
+          <a:ln>
+            <a:noFill/>
+          </a:ln>
+          <a:extLst>
+            <a:ext uri="{909E8E84-426E-40DD-AFC4-6F175D3DCCD1}">
+              <a14:hiddenFill xmlns:a14="http://schemas.microsoft.com/office/drawing/2010/main">
+                <a:solidFill>
+                  <a:schemeClr val="accent1"/>
+                </a:solidFill>
+              </a14:hiddenFill>
+            </a:ext>
+            <a:ext uri="{91240B29-F687-4F45-9708-019B960494DF}">
+              <a14:hiddenLine xmlns:a14="http://schemas.microsoft.com/office/drawing/2010/main" w="9525">
+                <a:solidFill>
+                  <a:schemeClr val="tx1"/>
+                </a:solidFill>
+                <a:miter lim="800000"/>
+                <a:headEnd/>
+                <a:tailEnd/>
+              </a14:hiddenLine>
+            </a:ext>
+          </a:extLst>
+        </p:spPr>
+      </p:pic>
+      <p:sp>
+        <p:nvSpPr>
+          <p:cNvPr id="19" name="TextBox 18"/>
+          <p:cNvSpPr txBox="1"/>
+          <p:nvPr/>
+        </p:nvSpPr>
+        <p:spPr>
+          <a:xfrm>
+            <a:off x="153005" y="3638619"/>
+            <a:ext cx="1689670" cy="369332"/>
+          </a:xfrm>
+          <a:prstGeom prst="rect">
+            <a:avLst/>
+          </a:prstGeom>
+          <a:noFill/>
+        </p:spPr>
+        <p:txBody>
+          <a:bodyPr wrap="square" rtlCol="0">
+            <a:spAutoFit/>
+          </a:bodyPr>
+          <a:lstStyle/>
+          <a:p>
+            <a:r>
+              <a:rPr lang="en-US" dirty="0" smtClean="0"/>
+              <a:t>Challenger 601</a:t>
+            </a:r>
+            <a:endParaRPr lang="en-US" dirty="0"/>
+          </a:p>
+        </p:txBody>
+      </p:sp>
+      <p:pic>
+        <p:nvPicPr>
+          <p:cNvPr id="20" name="Picture 19"/>
+          <p:cNvPicPr>
+            <a:picLocks noChangeAspect="1"/>
+          </p:cNvPicPr>
+          <p:nvPr/>
+        </p:nvPicPr>
+        <p:blipFill rotWithShape="1">
+          <a:blip r:embed="rId16">
+            <a:extLst>
+              <a:ext uri="{BEBA8EAE-BF5A-486C-A8C5-ECC9F3942E4B}">
+                <a14:imgProps xmlns:a14="http://schemas.microsoft.com/office/drawing/2010/main">
+                  <a14:imgLayer r:embed="rId17">
+                    <a14:imgEffect>
+                      <a14:backgroundRemoval t="5063" b="93671" l="1818" r="99091">
+                        <a14:foregroundMark x1="14091" y1="58228" x2="14091" y2="58228"/>
+                      </a14:backgroundRemoval>
+                    </a14:imgEffect>
+                    <a14:imgEffect>
+                      <a14:brightnessContrast bright="-100000" contrast="100000"/>
+                    </a14:imgEffect>
+                  </a14:imgLayer>
+                </a14:imgProps>
+              </a:ext>
+            </a:extLst>
+          </a:blip>
+          <a:srcRect l="2614" t="7658" r="1809" b="13440"/>
+          <a:stretch/>
+        </p:blipFill>
+        <p:spPr>
+          <a:xfrm flipH="1">
+            <a:off x="1871329" y="4331041"/>
+            <a:ext cx="1563624" cy="463530"/>
+          </a:xfrm>
+          <a:prstGeom prst="rect">
+            <a:avLst/>
+          </a:prstGeom>
+        </p:spPr>
+      </p:pic>
+      <p:sp>
+        <p:nvSpPr>
+          <p:cNvPr id="21" name="TextBox 20"/>
+          <p:cNvSpPr txBox="1"/>
+          <p:nvPr/>
+        </p:nvSpPr>
+        <p:spPr>
+          <a:xfrm>
+            <a:off x="153005" y="4331041"/>
+            <a:ext cx="1689670" cy="369332"/>
+          </a:xfrm>
+          <a:prstGeom prst="rect">
+            <a:avLst/>
+          </a:prstGeom>
+          <a:noFill/>
+        </p:spPr>
+        <p:txBody>
+          <a:bodyPr wrap="square" rtlCol="0">
+            <a:spAutoFit/>
+          </a:bodyPr>
+          <a:lstStyle/>
+          <a:p>
+            <a:r>
+              <a:rPr lang="en-US" dirty="0" smtClean="0"/>
+              <a:t>Citation III</a:t>
+            </a:r>
+            <a:endParaRPr lang="en-US" dirty="0"/>
+          </a:p>
+        </p:txBody>
+      </p:sp>
+      <p:pic>
+        <p:nvPicPr>
+          <p:cNvPr id="22" name="Picture 21"/>
+          <p:cNvPicPr>
+            <a:picLocks noChangeAspect="1"/>
+          </p:cNvPicPr>
+          <p:nvPr/>
+        </p:nvPicPr>
+        <p:blipFill>
+          <a:blip r:embed="rId18">
+            <a:extLst>
+              <a:ext uri="{BEBA8EAE-BF5A-486C-A8C5-ECC9F3942E4B}">
+                <a14:imgProps xmlns:a14="http://schemas.microsoft.com/office/drawing/2010/main">
+                  <a14:imgLayer r:embed="rId19">
+                    <a14:imgEffect>
+                      <a14:brightnessContrast bright="-100000" contrast="100000"/>
+                    </a14:imgEffect>
+                  </a14:imgLayer>
+                </a14:imgProps>
+              </a:ext>
+            </a:extLst>
+          </a:blip>
+          <a:stretch>
+            <a:fillRect/>
+          </a:stretch>
+        </p:blipFill>
+        <p:spPr>
+          <a:xfrm flipH="1">
+            <a:off x="1871329" y="5057429"/>
+            <a:ext cx="1572768" cy="487558"/>
+          </a:xfrm>
+          <a:prstGeom prst="rect">
+            <a:avLst/>
+          </a:prstGeom>
+        </p:spPr>
+      </p:pic>
+      <p:sp>
+        <p:nvSpPr>
+          <p:cNvPr id="23" name="TextBox 22"/>
+          <p:cNvSpPr txBox="1"/>
+          <p:nvPr/>
+        </p:nvSpPr>
+        <p:spPr>
+          <a:xfrm>
+            <a:off x="153005" y="4946835"/>
+            <a:ext cx="1689670" cy="369332"/>
+          </a:xfrm>
+          <a:prstGeom prst="rect">
+            <a:avLst/>
+          </a:prstGeom>
+          <a:noFill/>
+        </p:spPr>
+        <p:txBody>
+          <a:bodyPr wrap="square" rtlCol="0">
+            <a:spAutoFit/>
+          </a:bodyPr>
+          <a:lstStyle/>
+          <a:p>
+            <a:r>
+              <a:rPr lang="en-US" dirty="0" smtClean="0"/>
+              <a:t>Falcon 200</a:t>
+            </a:r>
+            <a:endParaRPr lang="en-US" dirty="0"/>
+          </a:p>
+        </p:txBody>
+      </p:sp>
+      <p:pic>
+        <p:nvPicPr>
+          <p:cNvPr id="24" name="Picture 2"/>
+          <p:cNvPicPr>
+            <a:picLocks noChangeAspect="1" noChangeArrowheads="1"/>
+          </p:cNvPicPr>
+          <p:nvPr/>
+        </p:nvPicPr>
+        <p:blipFill rotWithShape="1">
+          <a:blip r:embed="rId20">
+            <a:extLst>
+              <a:ext uri="{BEBA8EAE-BF5A-486C-A8C5-ECC9F3942E4B}">
+                <a14:imgProps xmlns:a14="http://schemas.microsoft.com/office/drawing/2010/main">
+                  <a14:imgLayer r:embed="rId21">
+                    <a14:imgEffect>
+                      <a14:backgroundRemoval t="2037" b="38704" l="0" r="84896"/>
+                    </a14:imgEffect>
+                    <a14:imgEffect>
+                      <a14:brightnessContrast bright="-100000" contrast="100000"/>
+                    </a14:imgEffect>
+                  </a14:imgLayer>
+                </a14:imgProps>
+              </a:ext>
+              <a:ext uri="{28A0092B-C50C-407E-A947-70E740481C1C}">
+                <a14:useLocalDpi xmlns:a14="http://schemas.microsoft.com/office/drawing/2010/main" val="0"/>
+              </a:ext>
+            </a:extLst>
+          </a:blip>
+          <a:srcRect l="1000" t="2296" r="15000" b="63778"/>
+          <a:stretch/>
+        </p:blipFill>
+        <p:spPr bwMode="auto">
+          <a:xfrm flipH="1">
+            <a:off x="1871329" y="5681263"/>
+            <a:ext cx="2679192" cy="608666"/>
+          </a:xfrm>
+          <a:prstGeom prst="rect">
+            <a:avLst/>
+          </a:prstGeom>
+          <a:noFill/>
+          <a:ln>
+            <a:noFill/>
+          </a:ln>
+          <a:extLst>
+            <a:ext uri="{909E8E84-426E-40DD-AFC4-6F175D3DCCD1}">
+              <a14:hiddenFill xmlns:a14="http://schemas.microsoft.com/office/drawing/2010/main">
+                <a:solidFill>
+                  <a:schemeClr val="accent1"/>
+                </a:solidFill>
+              </a14:hiddenFill>
+            </a:ext>
+            <a:ext uri="{91240B29-F687-4F45-9708-019B960494DF}">
+              <a14:hiddenLine xmlns:a14="http://schemas.microsoft.com/office/drawing/2010/main" w="9525">
+                <a:solidFill>
+                  <a:schemeClr val="tx1"/>
+                </a:solidFill>
+                <a:miter lim="800000"/>
+                <a:headEnd/>
+                <a:tailEnd/>
+              </a14:hiddenLine>
+            </a:ext>
+          </a:extLst>
+        </p:spPr>
+      </p:pic>
+      <p:sp>
+        <p:nvSpPr>
+          <p:cNvPr id="25" name="TextBox 24"/>
+          <p:cNvSpPr txBox="1"/>
+          <p:nvPr/>
+        </p:nvSpPr>
+        <p:spPr>
+          <a:xfrm>
+            <a:off x="153005" y="5640961"/>
+            <a:ext cx="1689670" cy="369332"/>
+          </a:xfrm>
+          <a:prstGeom prst="rect">
+            <a:avLst/>
+          </a:prstGeom>
+          <a:noFill/>
+        </p:spPr>
+        <p:txBody>
+          <a:bodyPr wrap="square" rtlCol="0">
+            <a:spAutoFit/>
+          </a:bodyPr>
+          <a:lstStyle/>
+          <a:p>
+            <a:r>
+              <a:rPr lang="en-US" dirty="0" smtClean="0"/>
+              <a:t>G V</a:t>
+            </a:r>
+            <a:endParaRPr lang="en-US" dirty="0"/>
+          </a:p>
+        </p:txBody>
+      </p:sp>
+      <p:pic>
+        <p:nvPicPr>
+          <p:cNvPr id="26" name="Picture 25"/>
+          <p:cNvPicPr>
+            <a:picLocks noChangeAspect="1"/>
+          </p:cNvPicPr>
+          <p:nvPr/>
+        </p:nvPicPr>
+        <p:blipFill>
+          <a:blip r:embed="rId22">
+            <a:extLst>
+              <a:ext uri="{BEBA8EAE-BF5A-486C-A8C5-ECC9F3942E4B}">
+                <a14:imgProps xmlns:a14="http://schemas.microsoft.com/office/drawing/2010/main">
+                  <a14:imgLayer r:embed="rId23">
+                    <a14:imgEffect>
+                      <a14:brightnessContrast bright="-100000" contrast="100000"/>
+                    </a14:imgEffect>
+                  </a14:imgLayer>
+                </a14:imgProps>
+              </a:ext>
+            </a:extLst>
+          </a:blip>
+          <a:stretch>
+            <a:fillRect/>
+          </a:stretch>
+        </p:blipFill>
+        <p:spPr>
+          <a:xfrm flipH="1">
+            <a:off x="1871329" y="6383646"/>
+            <a:ext cx="1417320" cy="471259"/>
+          </a:xfrm>
+          <a:prstGeom prst="rect">
+            <a:avLst/>
+          </a:prstGeom>
+        </p:spPr>
+      </p:pic>
+      <p:sp>
+        <p:nvSpPr>
+          <p:cNvPr id="27" name="TextBox 26"/>
+          <p:cNvSpPr txBox="1"/>
+          <p:nvPr/>
+        </p:nvSpPr>
+        <p:spPr>
+          <a:xfrm>
+            <a:off x="153005" y="6288283"/>
+            <a:ext cx="1689670" cy="369332"/>
+          </a:xfrm>
+          <a:prstGeom prst="rect">
+            <a:avLst/>
+          </a:prstGeom>
+          <a:noFill/>
+        </p:spPr>
+        <p:txBody>
+          <a:bodyPr wrap="square" rtlCol="0">
+            <a:spAutoFit/>
+          </a:bodyPr>
+          <a:lstStyle/>
+          <a:p>
+            <a:r>
+              <a:rPr lang="en-US" dirty="0" smtClean="0"/>
+              <a:t>Hawker 800</a:t>
+            </a:r>
+            <a:endParaRPr lang="en-US" dirty="0"/>
+          </a:p>
+        </p:txBody>
+      </p:sp>
     </p:spTree>
     <p:extLst>
       <p:ext uri="{BB962C8B-B14F-4D97-AF65-F5344CB8AC3E}">
-        <p14:creationId xmlns:p14="http://schemas.microsoft.com/office/powerpoint/2010/main" val="3480475015"/>
+        <p14:creationId xmlns:p14="http://schemas.microsoft.com/office/powerpoint/2010/main" val="1640868917"/>
       </p:ext>
     </p:extLst>
   </p:cSld>
   <p:clrMapOvr>
     <a:masterClrMapping/>
   </p:clrMapOvr>
+  <p:timing>
+    <p:tnLst>
+      <p:par>
+        <p:cTn id="1" dur="indefinite" restart="never" nodeType="tmRoot"/>
+      </p:par>
+    </p:tnLst>
+  </p:timing>
 </p:sld>
 </file>
 
@@ -3502,14 +4563,14 @@
       </p:grpSpPr>
       <p:sp>
         <p:nvSpPr>
-          <p:cNvPr id="4" name="TextBox 3"/>
+          <p:cNvPr id="5" name="TextBox 4"/>
           <p:cNvSpPr txBox="1"/>
           <p:nvPr/>
         </p:nvSpPr>
         <p:spPr>
           <a:xfrm>
             <a:off x="153006" y="229492"/>
-            <a:ext cx="4406562" cy="369332"/>
+            <a:ext cx="772027" cy="369332"/>
           </a:xfrm>
           <a:prstGeom prst="rect">
             <a:avLst/>
@@ -3524,7 +4585,7 @@
           <a:p>
             <a:r>
               <a:rPr lang="en-US" dirty="0" smtClean="0"/>
-              <a:t>Turbo Arrow III</a:t>
+              <a:t>SR22</a:t>
             </a:r>
             <a:endParaRPr lang="en-US" dirty="0"/>
           </a:p>
@@ -3532,22 +4593,45 @@
       </p:sp>
       <p:pic>
         <p:nvPicPr>
-          <p:cNvPr id="2" name="Picture 1"/>
+          <p:cNvPr id="6" name="Picture 5"/>
           <p:cNvPicPr>
             <a:picLocks noChangeAspect="1"/>
           </p:cNvPicPr>
           <p:nvPr/>
         </p:nvPicPr>
-        <p:blipFill>
-          <a:blip r:embed="rId2"/>
-          <a:stretch>
-            <a:fillRect/>
-          </a:stretch>
+        <p:blipFill rotWithShape="1">
+          <a:blip r:embed="rId2">
+            <a:extLst>
+              <a:ext uri="{BEBA8EAE-BF5A-486C-A8C5-ECC9F3942E4B}">
+                <a14:imgProps xmlns:a14="http://schemas.microsoft.com/office/drawing/2010/main">
+                  <a14:imgLayer r:embed="rId3">
+                    <a14:imgEffect>
+                      <a14:backgroundRemoval t="14907" b="84161" l="2548" r="97028">
+                        <a14:foregroundMark x1="8068" y1="35714" x2="8068" y2="35714"/>
+                        <a14:foregroundMark x1="85563" y1="32609" x2="85563" y2="32609"/>
+                        <a14:foregroundMark x1="86200" y1="31988" x2="86200" y2="31988"/>
+                        <a14:foregroundMark x1="86624" y1="31056" x2="86624" y2="31056"/>
+                        <a14:foregroundMark x1="86837" y1="30124" x2="86837" y2="30124"/>
+                        <a14:foregroundMark x1="87473" y1="28571" x2="87473" y2="28571"/>
+                        <a14:foregroundMark x1="85138" y1="33851" x2="85138" y2="33851"/>
+                        <a14:foregroundMark x1="84501" y1="35093" x2="84501" y2="35093"/>
+                      </a14:backgroundRemoval>
+                    </a14:imgEffect>
+                    <a14:imgEffect>
+                      <a14:brightnessContrast bright="-100000" contrast="100000"/>
+                    </a14:imgEffect>
+                  </a14:imgLayer>
+                </a14:imgProps>
+              </a:ext>
+            </a:extLst>
+          </a:blip>
+          <a:srcRect l="3284" t="22477" r="3381" b="24865"/>
+          <a:stretch/>
         </p:blipFill>
         <p:spPr>
-          <a:xfrm>
-            <a:off x="2667000" y="1752600"/>
-            <a:ext cx="3810000" cy="3352800"/>
+          <a:xfrm flipH="1">
+            <a:off x="128356" y="2637443"/>
+            <a:ext cx="7242048" cy="2793361"/>
           </a:xfrm>
           <a:prstGeom prst="rect">
             <a:avLst/>
@@ -3557,7 +4641,7 @@
     </p:spTree>
     <p:extLst>
       <p:ext uri="{BB962C8B-B14F-4D97-AF65-F5344CB8AC3E}">
-        <p14:creationId xmlns:p14="http://schemas.microsoft.com/office/powerpoint/2010/main" val="4071981631"/>
+        <p14:creationId xmlns:p14="http://schemas.microsoft.com/office/powerpoint/2010/main" val="3984212436"/>
       </p:ext>
     </p:extLst>
   </p:cSld>
@@ -3584,64 +4668,82 @@
           <a:chExt cx="0" cy="0"/>
         </a:xfrm>
       </p:grpSpPr>
+      <p:sp>
+        <p:nvSpPr>
+          <p:cNvPr id="4" name="TextBox 3"/>
+          <p:cNvSpPr txBox="1"/>
+          <p:nvPr/>
+        </p:nvSpPr>
+        <p:spPr>
+          <a:xfrm>
+            <a:off x="153006" y="229492"/>
+            <a:ext cx="4406562" cy="369332"/>
+          </a:xfrm>
+          <a:prstGeom prst="rect">
+            <a:avLst/>
+          </a:prstGeom>
+          <a:noFill/>
+        </p:spPr>
+        <p:txBody>
+          <a:bodyPr wrap="square" rtlCol="0">
+            <a:spAutoFit/>
+          </a:bodyPr>
+          <a:lstStyle/>
+          <a:p>
+            <a:r>
+              <a:rPr lang="en-US" dirty="0" smtClean="0"/>
+              <a:t>DA42</a:t>
+            </a:r>
+            <a:endParaRPr lang="en-US" dirty="0"/>
+          </a:p>
+        </p:txBody>
+      </p:sp>
       <p:pic>
         <p:nvPicPr>
-          <p:cNvPr id="2" name="Picture 1"/>
+          <p:cNvPr id="6" name="Picture 5"/>
           <p:cNvPicPr>
             <a:picLocks noChangeAspect="1"/>
           </p:cNvPicPr>
           <p:nvPr/>
         </p:nvPicPr>
         <p:blipFill>
-          <a:blip r:embed="rId2"/>
+          <a:blip r:embed="rId2">
+            <a:extLst>
+              <a:ext uri="{BEBA8EAE-BF5A-486C-A8C5-ECC9F3942E4B}">
+                <a14:imgProps xmlns:a14="http://schemas.microsoft.com/office/drawing/2010/main">
+                  <a14:imgLayer r:embed="rId3">
+                    <a14:imgEffect>
+                      <a14:backgroundRemoval t="0" b="100000" l="0" r="100000">
+                        <a14:foregroundMark x1="33636" y1="27273" x2="33636" y2="27273"/>
+                        <a14:foregroundMark x1="30000" y1="29091" x2="30000" y2="29091"/>
+                      </a14:backgroundRemoval>
+                    </a14:imgEffect>
+                    <a14:imgEffect>
+                      <a14:brightnessContrast bright="-100000" contrast="100000"/>
+                    </a14:imgEffect>
+                  </a14:imgLayer>
+                </a14:imgProps>
+              </a:ext>
+            </a:extLst>
+          </a:blip>
           <a:stretch>
             <a:fillRect/>
           </a:stretch>
         </p:blipFill>
         <p:spPr>
-          <a:xfrm>
-            <a:off x="3136900" y="1993900"/>
-            <a:ext cx="2857500" cy="2857500"/>
+          <a:xfrm flipH="1">
+            <a:off x="307203" y="2549984"/>
+            <a:ext cx="7799832" cy="1949959"/>
           </a:xfrm>
           <a:prstGeom prst="rect">
             <a:avLst/>
           </a:prstGeom>
         </p:spPr>
       </p:pic>
-      <p:sp>
-        <p:nvSpPr>
-          <p:cNvPr id="3" name="TextBox 2"/>
-          <p:cNvSpPr txBox="1"/>
-          <p:nvPr/>
-        </p:nvSpPr>
-        <p:spPr>
-          <a:xfrm>
-            <a:off x="153006" y="229492"/>
-            <a:ext cx="4406562" cy="369332"/>
-          </a:xfrm>
-          <a:prstGeom prst="rect">
-            <a:avLst/>
-          </a:prstGeom>
-          <a:noFill/>
-        </p:spPr>
-        <p:txBody>
-          <a:bodyPr wrap="square" rtlCol="0">
-            <a:spAutoFit/>
-          </a:bodyPr>
-          <a:lstStyle/>
-          <a:p>
-            <a:r>
-              <a:rPr lang="en-US" dirty="0" smtClean="0"/>
-              <a:t>182</a:t>
-            </a:r>
-            <a:endParaRPr lang="en-US" dirty="0"/>
-          </a:p>
-        </p:txBody>
-      </p:sp>
     </p:spTree>
     <p:extLst>
       <p:ext uri="{BB962C8B-B14F-4D97-AF65-F5344CB8AC3E}">
-        <p14:creationId xmlns:p14="http://schemas.microsoft.com/office/powerpoint/2010/main" val="1585352089"/>
+        <p14:creationId xmlns:p14="http://schemas.microsoft.com/office/powerpoint/2010/main" val="3480475015"/>
       </p:ext>
     </p:extLst>
   </p:cSld>
@@ -3668,6 +4770,36 @@
           <a:chExt cx="0" cy="0"/>
         </a:xfrm>
       </p:grpSpPr>
+      <p:sp>
+        <p:nvSpPr>
+          <p:cNvPr id="4" name="TextBox 3"/>
+          <p:cNvSpPr txBox="1"/>
+          <p:nvPr/>
+        </p:nvSpPr>
+        <p:spPr>
+          <a:xfrm>
+            <a:off x="153006" y="229492"/>
+            <a:ext cx="4406562" cy="369332"/>
+          </a:xfrm>
+          <a:prstGeom prst="rect">
+            <a:avLst/>
+          </a:prstGeom>
+          <a:noFill/>
+        </p:spPr>
+        <p:txBody>
+          <a:bodyPr wrap="square" rtlCol="0">
+            <a:spAutoFit/>
+          </a:bodyPr>
+          <a:lstStyle/>
+          <a:p>
+            <a:r>
+              <a:rPr lang="en-US" dirty="0" smtClean="0"/>
+              <a:t>Turbo Arrow III</a:t>
+            </a:r>
+            <a:endParaRPr lang="en-US" dirty="0"/>
+          </a:p>
+        </p:txBody>
+      </p:sp>
       <p:pic>
         <p:nvPicPr>
           <p:cNvPr id="2" name="Picture 1"/>
@@ -3676,80 +4808,40 @@
           </p:cNvPicPr>
           <p:nvPr/>
         </p:nvPicPr>
-        <p:blipFill>
-          <a:blip r:embed="rId2"/>
-          <a:stretch>
-            <a:fillRect/>
-          </a:stretch>
+        <p:blipFill rotWithShape="1">
+          <a:blip r:embed="rId2">
+            <a:extLst>
+              <a:ext uri="{BEBA8EAE-BF5A-486C-A8C5-ECC9F3942E4B}">
+                <a14:imgProps xmlns:a14="http://schemas.microsoft.com/office/drawing/2010/main">
+                  <a14:imgLayer r:embed="rId3">
+                    <a14:imgEffect>
+                      <a14:backgroundRemoval t="2273" b="43561" l="1000" r="100000"/>
+                    </a14:imgEffect>
+                    <a14:imgEffect>
+                      <a14:brightnessContrast bright="-100000" contrast="100000"/>
+                    </a14:imgEffect>
+                  </a14:imgLayer>
+                </a14:imgProps>
+              </a:ext>
+            </a:extLst>
+          </a:blip>
+          <a:srcRect l="2552" t="4090" r="947" b="58183"/>
+          <a:stretch/>
         </p:blipFill>
         <p:spPr>
           <a:xfrm>
-            <a:off x="0" y="0"/>
-            <a:ext cx="9144000" cy="6858000"/>
+            <a:off x="68580" y="2552700"/>
+            <a:ext cx="6492240" cy="2233600"/>
           </a:xfrm>
           <a:prstGeom prst="rect">
             <a:avLst/>
           </a:prstGeom>
         </p:spPr>
       </p:pic>
-      <p:pic>
-        <p:nvPicPr>
-          <p:cNvPr id="3" name="Picture 2"/>
-          <p:cNvPicPr>
-            <a:picLocks noChangeAspect="1"/>
-          </p:cNvPicPr>
-          <p:nvPr/>
-        </p:nvPicPr>
-        <p:blipFill>
-          <a:blip r:embed="rId3"/>
-          <a:stretch>
-            <a:fillRect/>
-          </a:stretch>
-        </p:blipFill>
-        <p:spPr>
-          <a:xfrm>
-            <a:off x="2667000" y="2057400"/>
-            <a:ext cx="3810000" cy="2730500"/>
-          </a:xfrm>
-          <a:prstGeom prst="rect">
-            <a:avLst/>
-          </a:prstGeom>
-        </p:spPr>
-      </p:pic>
-      <p:sp>
-        <p:nvSpPr>
-          <p:cNvPr id="4" name="TextBox 3"/>
-          <p:cNvSpPr txBox="1"/>
-          <p:nvPr/>
-        </p:nvSpPr>
-        <p:spPr>
-          <a:xfrm>
-            <a:off x="153006" y="229492"/>
-            <a:ext cx="4406562" cy="369332"/>
-          </a:xfrm>
-          <a:prstGeom prst="rect">
-            <a:avLst/>
-          </a:prstGeom>
-          <a:noFill/>
-        </p:spPr>
-        <p:txBody>
-          <a:bodyPr wrap="square" rtlCol="0">
-            <a:spAutoFit/>
-          </a:bodyPr>
-          <a:lstStyle/>
-          <a:p>
-            <a:r>
-              <a:rPr lang="en-US" dirty="0" smtClean="0"/>
-              <a:t>172</a:t>
-            </a:r>
-            <a:endParaRPr lang="en-US" dirty="0"/>
-          </a:p>
-        </p:txBody>
-      </p:sp>
     </p:spTree>
     <p:extLst>
       <p:ext uri="{BB962C8B-B14F-4D97-AF65-F5344CB8AC3E}">
-        <p14:creationId xmlns:p14="http://schemas.microsoft.com/office/powerpoint/2010/main" val="1853079324"/>
+        <p14:creationId xmlns:p14="http://schemas.microsoft.com/office/powerpoint/2010/main" val="4071981631"/>
       </p:ext>
     </p:extLst>
   </p:cSld>
@@ -3776,36 +4868,6 @@
           <a:chExt cx="0" cy="0"/>
         </a:xfrm>
       </p:grpSpPr>
-      <p:sp>
-        <p:nvSpPr>
-          <p:cNvPr id="4" name="TextBox 3"/>
-          <p:cNvSpPr txBox="1"/>
-          <p:nvPr/>
-        </p:nvSpPr>
-        <p:spPr>
-          <a:xfrm>
-            <a:off x="153006" y="229492"/>
-            <a:ext cx="4406562" cy="369332"/>
-          </a:xfrm>
-          <a:prstGeom prst="rect">
-            <a:avLst/>
-          </a:prstGeom>
-          <a:noFill/>
-        </p:spPr>
-        <p:txBody>
-          <a:bodyPr wrap="square" rtlCol="0">
-            <a:spAutoFit/>
-          </a:bodyPr>
-          <a:lstStyle/>
-          <a:p>
-            <a:r>
-              <a:rPr lang="en-US" dirty="0" smtClean="0"/>
-              <a:t>B36 Bonanza</a:t>
-            </a:r>
-            <a:endParaRPr lang="en-US" dirty="0"/>
-          </a:p>
-        </p:txBody>
-      </p:sp>
       <p:pic>
         <p:nvPicPr>
           <p:cNvPr id="2" name="Picture 1"/>
@@ -3814,26 +4876,70 @@
           </p:cNvPicPr>
           <p:nvPr/>
         </p:nvPicPr>
-        <p:blipFill>
-          <a:blip r:embed="rId2"/>
-          <a:stretch>
-            <a:fillRect/>
-          </a:stretch>
+        <p:blipFill rotWithShape="1">
+          <a:blip r:embed="rId2">
+            <a:extLst>
+              <a:ext uri="{BEBA8EAE-BF5A-486C-A8C5-ECC9F3942E4B}">
+                <a14:imgProps xmlns:a14="http://schemas.microsoft.com/office/drawing/2010/main">
+                  <a14:imgLayer r:embed="rId3">
+                    <a14:imgEffect>
+                      <a14:backgroundRemoval t="56000" b="92444" l="889" r="99111"/>
+                    </a14:imgEffect>
+                    <a14:imgEffect>
+                      <a14:brightnessContrast bright="-100000" contrast="100000"/>
+                    </a14:imgEffect>
+                  </a14:imgLayer>
+                </a14:imgProps>
+              </a:ext>
+            </a:extLst>
+          </a:blip>
+          <a:srcRect l="1809" t="56301" r="1447" b="9701"/>
+          <a:stretch/>
         </p:blipFill>
         <p:spPr>
           <a:xfrm>
-            <a:off x="3302000" y="2794000"/>
-            <a:ext cx="2540000" cy="1270000"/>
+            <a:off x="153006" y="2659381"/>
+            <a:ext cx="8083296" cy="2785133"/>
           </a:xfrm>
           <a:prstGeom prst="rect">
             <a:avLst/>
           </a:prstGeom>
         </p:spPr>
       </p:pic>
+      <p:sp>
+        <p:nvSpPr>
+          <p:cNvPr id="3" name="TextBox 2"/>
+          <p:cNvSpPr txBox="1"/>
+          <p:nvPr/>
+        </p:nvSpPr>
+        <p:spPr>
+          <a:xfrm>
+            <a:off x="153006" y="229492"/>
+            <a:ext cx="4406562" cy="369332"/>
+          </a:xfrm>
+          <a:prstGeom prst="rect">
+            <a:avLst/>
+          </a:prstGeom>
+          <a:noFill/>
+        </p:spPr>
+        <p:txBody>
+          <a:bodyPr wrap="square" rtlCol="0">
+            <a:spAutoFit/>
+          </a:bodyPr>
+          <a:lstStyle/>
+          <a:p>
+            <a:r>
+              <a:rPr lang="en-US" dirty="0" smtClean="0"/>
+              <a:t>T182T</a:t>
+            </a:r>
+            <a:endParaRPr lang="en-US" dirty="0"/>
+          </a:p>
+        </p:txBody>
+      </p:sp>
     </p:spTree>
     <p:extLst>
       <p:ext uri="{BB962C8B-B14F-4D97-AF65-F5344CB8AC3E}">
-        <p14:creationId xmlns:p14="http://schemas.microsoft.com/office/powerpoint/2010/main" val="2820101259"/>
+        <p14:creationId xmlns:p14="http://schemas.microsoft.com/office/powerpoint/2010/main" val="1585352089"/>
       </p:ext>
     </p:extLst>
   </p:cSld>
@@ -3860,64 +4966,82 @@
           <a:chExt cx="0" cy="0"/>
         </a:xfrm>
       </p:grpSpPr>
-      <p:sp>
-        <p:nvSpPr>
-          <p:cNvPr id="4" name="TextBox 3"/>
-          <p:cNvSpPr txBox="1"/>
-          <p:nvPr/>
-        </p:nvSpPr>
-        <p:spPr>
-          <a:xfrm>
-            <a:off x="153006" y="229492"/>
-            <a:ext cx="4406562" cy="369332"/>
-          </a:xfrm>
-          <a:prstGeom prst="rect">
-            <a:avLst/>
-          </a:prstGeom>
-          <a:noFill/>
-        </p:spPr>
-        <p:txBody>
-          <a:bodyPr wrap="square" rtlCol="0">
-            <a:spAutoFit/>
-          </a:bodyPr>
-          <a:lstStyle/>
-          <a:p>
-            <a:r>
-              <a:rPr lang="en-US" dirty="0" smtClean="0"/>
-              <a:t>Challenger 601</a:t>
-            </a:r>
-            <a:endParaRPr lang="en-US" dirty="0"/>
-          </a:p>
-        </p:txBody>
-      </p:sp>
       <p:pic>
         <p:nvPicPr>
-          <p:cNvPr id="2" name="Picture 1"/>
+          <p:cNvPr id="3" name="Picture 2"/>
           <p:cNvPicPr>
             <a:picLocks noChangeAspect="1"/>
           </p:cNvPicPr>
           <p:nvPr/>
         </p:nvPicPr>
-        <p:blipFill>
-          <a:blip r:embed="rId2"/>
-          <a:stretch>
-            <a:fillRect/>
-          </a:stretch>
+        <p:blipFill rotWithShape="1">
+          <a:blip r:embed="rId2">
+            <a:extLst>
+              <a:ext uri="{BEBA8EAE-BF5A-486C-A8C5-ECC9F3942E4B}">
+                <a14:imgProps xmlns:a14="http://schemas.microsoft.com/office/drawing/2010/main">
+                  <a14:imgLayer r:embed="rId3">
+                    <a14:imgEffect>
+                      <a14:backgroundRemoval t="0" b="51628" l="2000" r="98000">
+                        <a14:foregroundMark x1="74667" y1="19535" x2="74667" y2="19535"/>
+                        <a14:foregroundMark x1="76333" y1="21395" x2="76333" y2="21395"/>
+                        <a14:foregroundMark x1="50667" y1="21395" x2="50667" y2="21395"/>
+                      </a14:backgroundRemoval>
+                    </a14:imgEffect>
+                    <a14:imgEffect>
+                      <a14:brightnessContrast bright="-100000" contrast="100000"/>
+                    </a14:imgEffect>
+                  </a14:imgLayer>
+                </a14:imgProps>
+              </a:ext>
+            </a:extLst>
+          </a:blip>
+          <a:srcRect l="3386" r="3948" b="50000"/>
+          <a:stretch/>
         </p:blipFill>
         <p:spPr>
           <a:xfrm>
-            <a:off x="660400" y="1651000"/>
-            <a:ext cx="7823200" cy="3556000"/>
+            <a:off x="297180" y="2438401"/>
+            <a:ext cx="7525512" cy="2910045"/>
           </a:xfrm>
           <a:prstGeom prst="rect">
             <a:avLst/>
           </a:prstGeom>
         </p:spPr>
       </p:pic>
+      <p:sp>
+        <p:nvSpPr>
+          <p:cNvPr id="4" name="TextBox 3"/>
+          <p:cNvSpPr txBox="1"/>
+          <p:nvPr/>
+        </p:nvSpPr>
+        <p:spPr>
+          <a:xfrm>
+            <a:off x="153006" y="229492"/>
+            <a:ext cx="4406562" cy="369332"/>
+          </a:xfrm>
+          <a:prstGeom prst="rect">
+            <a:avLst/>
+          </a:prstGeom>
+          <a:noFill/>
+        </p:spPr>
+        <p:txBody>
+          <a:bodyPr wrap="square" rtlCol="0">
+            <a:spAutoFit/>
+          </a:bodyPr>
+          <a:lstStyle/>
+          <a:p>
+            <a:r>
+              <a:rPr lang="en-US" dirty="0" smtClean="0"/>
+              <a:t>172SP</a:t>
+            </a:r>
+            <a:endParaRPr lang="en-US" dirty="0"/>
+          </a:p>
+        </p:txBody>
+      </p:sp>
     </p:spTree>
     <p:extLst>
       <p:ext uri="{BB962C8B-B14F-4D97-AF65-F5344CB8AC3E}">
-        <p14:creationId xmlns:p14="http://schemas.microsoft.com/office/powerpoint/2010/main" val="1467535795"/>
+        <p14:creationId xmlns:p14="http://schemas.microsoft.com/office/powerpoint/2010/main" val="1853079324"/>
       </p:ext>
     </p:extLst>
   </p:cSld>
@@ -3968,7 +5092,7 @@
           <a:p>
             <a:r>
               <a:rPr lang="en-US" dirty="0" smtClean="0"/>
-              <a:t>Citation III</a:t>
+              <a:t>B36 Bonanza</a:t>
             </a:r>
             <a:endParaRPr lang="en-US" dirty="0"/>
           </a:p>
@@ -3976,22 +5100,39 @@
       </p:sp>
       <p:pic>
         <p:nvPicPr>
-          <p:cNvPr id="2" name="Picture 1"/>
+          <p:cNvPr id="5" name="Picture 4"/>
           <p:cNvPicPr>
             <a:picLocks noChangeAspect="1"/>
           </p:cNvPicPr>
           <p:nvPr/>
         </p:nvPicPr>
-        <p:blipFill>
-          <a:blip r:embed="rId2"/>
-          <a:stretch>
-            <a:fillRect/>
-          </a:stretch>
+        <p:blipFill rotWithShape="1">
+          <a:blip r:embed="rId2">
+            <a:extLst>
+              <a:ext uri="{BEBA8EAE-BF5A-486C-A8C5-ECC9F3942E4B}">
+                <a14:imgProps xmlns:a14="http://schemas.microsoft.com/office/drawing/2010/main">
+                  <a14:imgLayer r:embed="rId3">
+                    <a14:imgEffect>
+                      <a14:backgroundRemoval t="8000" b="91000" l="1500" r="98000">
+                        <a14:backgroundMark x1="29500" y1="52000" x2="29500" y2="52000"/>
+                        <a14:backgroundMark x1="27000" y1="49000" x2="27000" y2="49000"/>
+                      </a14:backgroundRemoval>
+                    </a14:imgEffect>
+                    <a14:imgEffect>
+                      <a14:brightnessContrast bright="-100000" contrast="100000"/>
+                    </a14:imgEffect>
+                  </a14:imgLayer>
+                </a14:imgProps>
+              </a:ext>
+            </a:extLst>
+          </a:blip>
+          <a:srcRect l="2256" r="2160"/>
+          <a:stretch/>
         </p:blipFill>
         <p:spPr>
-          <a:xfrm>
-            <a:off x="3175000" y="2921000"/>
-            <a:ext cx="2794000" cy="1003300"/>
+          <a:xfrm flipH="1">
+            <a:off x="189498" y="1955800"/>
+            <a:ext cx="7662672" cy="4008372"/>
           </a:xfrm>
           <a:prstGeom prst="rect">
             <a:avLst/>
@@ -4001,7 +5142,7 @@
     </p:spTree>
     <p:extLst>
       <p:ext uri="{BB962C8B-B14F-4D97-AF65-F5344CB8AC3E}">
-        <p14:creationId xmlns:p14="http://schemas.microsoft.com/office/powerpoint/2010/main" val="1646550649"/>
+        <p14:creationId xmlns:p14="http://schemas.microsoft.com/office/powerpoint/2010/main" val="2820101259"/>
       </p:ext>
     </p:extLst>
   </p:cSld>
@@ -4052,7 +5193,7 @@
           <a:p>
             <a:r>
               <a:rPr lang="en-US" dirty="0" smtClean="0"/>
-              <a:t>Falcon 200</a:t>
+              <a:t>Challenger 601</a:t>
             </a:r>
             <a:endParaRPr lang="en-US" dirty="0"/>
           </a:p>
@@ -4060,44 +5201,72 @@
       </p:sp>
       <p:pic>
         <p:nvPicPr>
-          <p:cNvPr id="2" name="Picture 1"/>
+          <p:cNvPr id="1026" name="Picture 2"/>
           <p:cNvPicPr>
-            <a:picLocks noChangeAspect="1"/>
+            <a:picLocks noChangeAspect="1" noChangeArrowheads="1"/>
           </p:cNvPicPr>
           <p:nvPr/>
         </p:nvPicPr>
-        <p:blipFill>
+        <p:blipFill rotWithShape="1">
           <a:blip r:embed="rId2">
             <a:extLst>
               <a:ext uri="{BEBA8EAE-BF5A-486C-A8C5-ECC9F3942E4B}">
                 <a14:imgProps xmlns:a14="http://schemas.microsoft.com/office/drawing/2010/main">
                   <a14:imgLayer r:embed="rId3">
                     <a14:imgEffect>
+                      <a14:backgroundRemoval t="1198" b="94012" l="0" r="98891"/>
+                    </a14:imgEffect>
+                    <a14:imgEffect>
                       <a14:brightnessContrast bright="-100000" contrast="100000"/>
                     </a14:imgEffect>
                   </a14:imgLayer>
                 </a14:imgProps>
               </a:ext>
+              <a:ext uri="{28A0092B-C50C-407E-A947-70E740481C1C}">
+                <a14:useLocalDpi xmlns:a14="http://schemas.microsoft.com/office/drawing/2010/main" val="0"/>
+              </a:ext>
             </a:extLst>
           </a:blip>
-          <a:stretch>
-            <a:fillRect/>
-          </a:stretch>
+          <a:srcRect l="1428" r="1323"/>
+          <a:stretch/>
         </p:blipFill>
-        <p:spPr>
+        <p:spPr bwMode="auto">
           <a:xfrm>
-            <a:off x="2032000" y="2641600"/>
-            <a:ext cx="5080000" cy="1574800"/>
+            <a:off x="153006" y="1045494"/>
+            <a:ext cx="18955512" cy="6016794"/>
           </a:xfrm>
           <a:prstGeom prst="rect">
             <a:avLst/>
           </a:prstGeom>
+          <a:noFill/>
+          <a:ln>
+            <a:noFill/>
+          </a:ln>
+          <a:extLst>
+            <a:ext uri="{909E8E84-426E-40DD-AFC4-6F175D3DCCD1}">
+              <a14:hiddenFill xmlns:a14="http://schemas.microsoft.com/office/drawing/2010/main">
+                <a:solidFill>
+                  <a:schemeClr val="accent1"/>
+                </a:solidFill>
+              </a14:hiddenFill>
+            </a:ext>
+            <a:ext uri="{91240B29-F687-4F45-9708-019B960494DF}">
+              <a14:hiddenLine xmlns:a14="http://schemas.microsoft.com/office/drawing/2010/main" w="9525">
+                <a:solidFill>
+                  <a:schemeClr val="tx1"/>
+                </a:solidFill>
+                <a:miter lim="800000"/>
+                <a:headEnd/>
+                <a:tailEnd/>
+              </a14:hiddenLine>
+            </a:ext>
+          </a:extLst>
         </p:spPr>
       </p:pic>
     </p:spTree>
     <p:extLst>
       <p:ext uri="{BB962C8B-B14F-4D97-AF65-F5344CB8AC3E}">
-        <p14:creationId xmlns:p14="http://schemas.microsoft.com/office/powerpoint/2010/main" val="2634194483"/>
+        <p14:creationId xmlns:p14="http://schemas.microsoft.com/office/powerpoint/2010/main" val="1467535795"/>
       </p:ext>
     </p:extLst>
   </p:cSld>

--- a/views_airplane.pptx
+++ b/views_airplane.pptx
@@ -16,8 +16,8 @@
     <p:sldId id="262" r:id="rId10"/>
     <p:sldId id="263" r:id="rId11"/>
     <p:sldId id="264" r:id="rId12"/>
-    <p:sldId id="265" r:id="rId13"/>
-    <p:sldId id="266" r:id="rId14"/>
+    <p:sldId id="266" r:id="rId13"/>
+    <p:sldId id="269" r:id="rId14"/>
   </p:sldIdLst>
   <p:sldSz cx="9144000" cy="6858000" type="screen4x3"/>
   <p:notesSz cx="6858000" cy="9144000"/>
@@ -300,7 +300,7 @@
           <a:p>
             <a:fld id="{84D642EF-3491-BB4F-9AA3-265FFB0D422E}" type="datetimeFigureOut">
               <a:rPr lang="en-US" smtClean="0"/>
-              <a:t>10/13/2016</a:t>
+              <a:t>10/15/16</a:t>
             </a:fld>
             <a:endParaRPr lang="en-US"/>
           </a:p>
@@ -470,7 +470,7 @@
           <a:p>
             <a:fld id="{84D642EF-3491-BB4F-9AA3-265FFB0D422E}" type="datetimeFigureOut">
               <a:rPr lang="en-US" smtClean="0"/>
-              <a:t>10/13/2016</a:t>
+              <a:t>10/15/16</a:t>
             </a:fld>
             <a:endParaRPr lang="en-US"/>
           </a:p>
@@ -650,7 +650,7 @@
           <a:p>
             <a:fld id="{84D642EF-3491-BB4F-9AA3-265FFB0D422E}" type="datetimeFigureOut">
               <a:rPr lang="en-US" smtClean="0"/>
-              <a:t>10/13/2016</a:t>
+              <a:t>10/15/16</a:t>
             </a:fld>
             <a:endParaRPr lang="en-US"/>
           </a:p>
@@ -820,7 +820,7 @@
           <a:p>
             <a:fld id="{84D642EF-3491-BB4F-9AA3-265FFB0D422E}" type="datetimeFigureOut">
               <a:rPr lang="en-US" smtClean="0"/>
-              <a:t>10/13/2016</a:t>
+              <a:t>10/15/16</a:t>
             </a:fld>
             <a:endParaRPr lang="en-US"/>
           </a:p>
@@ -1066,7 +1066,7 @@
           <a:p>
             <a:fld id="{84D642EF-3491-BB4F-9AA3-265FFB0D422E}" type="datetimeFigureOut">
               <a:rPr lang="en-US" smtClean="0"/>
-              <a:t>10/13/2016</a:t>
+              <a:t>10/15/16</a:t>
             </a:fld>
             <a:endParaRPr lang="en-US"/>
           </a:p>
@@ -1354,7 +1354,7 @@
           <a:p>
             <a:fld id="{84D642EF-3491-BB4F-9AA3-265FFB0D422E}" type="datetimeFigureOut">
               <a:rPr lang="en-US" smtClean="0"/>
-              <a:t>10/13/2016</a:t>
+              <a:t>10/15/16</a:t>
             </a:fld>
             <a:endParaRPr lang="en-US"/>
           </a:p>
@@ -1776,7 +1776,7 @@
           <a:p>
             <a:fld id="{84D642EF-3491-BB4F-9AA3-265FFB0D422E}" type="datetimeFigureOut">
               <a:rPr lang="en-US" smtClean="0"/>
-              <a:t>10/13/2016</a:t>
+              <a:t>10/15/16</a:t>
             </a:fld>
             <a:endParaRPr lang="en-US"/>
           </a:p>
@@ -1894,7 +1894,7 @@
           <a:p>
             <a:fld id="{84D642EF-3491-BB4F-9AA3-265FFB0D422E}" type="datetimeFigureOut">
               <a:rPr lang="en-US" smtClean="0"/>
-              <a:t>10/13/2016</a:t>
+              <a:t>10/15/16</a:t>
             </a:fld>
             <a:endParaRPr lang="en-US"/>
           </a:p>
@@ -1989,7 +1989,7 @@
           <a:p>
             <a:fld id="{84D642EF-3491-BB4F-9AA3-265FFB0D422E}" type="datetimeFigureOut">
               <a:rPr lang="en-US" smtClean="0"/>
-              <a:t>10/13/2016</a:t>
+              <a:t>10/15/16</a:t>
             </a:fld>
             <a:endParaRPr lang="en-US"/>
           </a:p>
@@ -2266,7 +2266,7 @@
           <a:p>
             <a:fld id="{84D642EF-3491-BB4F-9AA3-265FFB0D422E}" type="datetimeFigureOut">
               <a:rPr lang="en-US" smtClean="0"/>
-              <a:t>10/13/2016</a:t>
+              <a:t>10/15/16</a:t>
             </a:fld>
             <a:endParaRPr lang="en-US"/>
           </a:p>
@@ -2519,7 +2519,7 @@
           <a:p>
             <a:fld id="{84D642EF-3491-BB4F-9AA3-265FFB0D422E}" type="datetimeFigureOut">
               <a:rPr lang="en-US" smtClean="0"/>
-              <a:t>10/13/2016</a:t>
+              <a:t>10/15/16</a:t>
             </a:fld>
             <a:endParaRPr lang="en-US"/>
           </a:p>
@@ -2732,7 +2732,7 @@
           <a:p>
             <a:fld id="{84D642EF-3491-BB4F-9AA3-265FFB0D422E}" type="datetimeFigureOut">
               <a:rPr lang="en-US" smtClean="0"/>
-              <a:t>10/13/2016</a:t>
+              <a:t>10/15/16</a:t>
             </a:fld>
             <a:endParaRPr lang="en-US"/>
           </a:p>
@@ -3165,11 +3165,7 @@
             </a:pPr>
             <a:r>
               <a:rPr lang="en-US" dirty="0" smtClean="0"/>
-              <a:t>Copy/paste </a:t>
-            </a:r>
-            <a:r>
-              <a:rPr lang="en-US" dirty="0" smtClean="0"/>
-              <a:t>view</a:t>
+              <a:t>Copy/paste view</a:t>
             </a:r>
           </a:p>
           <a:p>
@@ -3211,7 +3207,6 @@
               <a:rPr lang="en-US" dirty="0" smtClean="0"/>
               <a:t>Contrast: 100%</a:t>
             </a:r>
-            <a:endParaRPr lang="en-US" dirty="0" smtClean="0"/>
           </a:p>
           <a:p>
             <a:pPr marL="342900" indent="-342900">
@@ -3242,7 +3237,6 @@
               <a:rPr lang="en-US" dirty="0" smtClean="0"/>
               <a:t>Save photos as PNG</a:t>
             </a:r>
-            <a:endParaRPr lang="en-US" dirty="0" smtClean="0"/>
           </a:p>
           <a:p>
             <a:pPr marL="342900" indent="-342900">
@@ -3266,7 +3260,7 @@
   <p:timing>
     <p:tnLst>
       <p:par>
-        <p:cTn id="1" dur="indefinite" restart="never" nodeType="tmRoot"/>
+        <p:cTn xmlns:p14="http://schemas.microsoft.com/office/powerpoint/2010/main" id="1" dur="indefinite" restart="never" nodeType="tmRoot"/>
       </p:par>
     </p:tnLst>
   </p:timing>
@@ -3510,7 +3504,7 @@
           <a:p>
             <a:r>
               <a:rPr lang="en-US" dirty="0" smtClean="0"/>
-              <a:t>G V</a:t>
+              <a:t>Hawker 800</a:t>
             </a:r>
             <a:endParaRPr lang="en-US" dirty="0"/>
           </a:p>
@@ -3518,72 +3512,44 @@
       </p:sp>
       <p:pic>
         <p:nvPicPr>
-          <p:cNvPr id="5" name="Picture 2"/>
+          <p:cNvPr id="5" name="Picture 4"/>
           <p:cNvPicPr>
-            <a:picLocks noChangeAspect="1" noChangeArrowheads="1"/>
+            <a:picLocks noChangeAspect="1"/>
           </p:cNvPicPr>
           <p:nvPr/>
         </p:nvPicPr>
-        <p:blipFill rotWithShape="1">
+        <p:blipFill>
           <a:blip r:embed="rId2">
             <a:extLst>
               <a:ext uri="{BEBA8EAE-BF5A-486C-A8C5-ECC9F3942E4B}">
                 <a14:imgProps xmlns:a14="http://schemas.microsoft.com/office/drawing/2010/main">
                   <a14:imgLayer r:embed="rId3">
                     <a14:imgEffect>
-                      <a14:backgroundRemoval t="2037" b="38704" l="0" r="84896"/>
-                    </a14:imgEffect>
-                    <a14:imgEffect>
                       <a14:brightnessContrast bright="-100000" contrast="100000"/>
                     </a14:imgEffect>
                   </a14:imgLayer>
                 </a14:imgProps>
               </a:ext>
-              <a:ext uri="{28A0092B-C50C-407E-A947-70E740481C1C}">
-                <a14:useLocalDpi xmlns:a14="http://schemas.microsoft.com/office/drawing/2010/main" val="0"/>
-              </a:ext>
             </a:extLst>
           </a:blip>
-          <a:srcRect l="1000" t="2296" r="15000" b="63778"/>
-          <a:stretch/>
+          <a:stretch>
+            <a:fillRect/>
+          </a:stretch>
         </p:blipFill>
-        <p:spPr bwMode="auto">
+        <p:spPr>
           <a:xfrm flipH="1">
-            <a:off x="0" y="779653"/>
-            <a:ext cx="26755344" cy="6078347"/>
+            <a:off x="153006" y="1311713"/>
+            <a:ext cx="14209776" cy="4724750"/>
           </a:xfrm>
           <a:prstGeom prst="rect">
             <a:avLst/>
           </a:prstGeom>
-          <a:noFill/>
-          <a:ln>
-            <a:noFill/>
-          </a:ln>
-          <a:extLst>
-            <a:ext uri="{909E8E84-426E-40DD-AFC4-6F175D3DCCD1}">
-              <a14:hiddenFill xmlns:a14="http://schemas.microsoft.com/office/drawing/2010/main">
-                <a:solidFill>
-                  <a:schemeClr val="accent1"/>
-                </a:solidFill>
-              </a14:hiddenFill>
-            </a:ext>
-            <a:ext uri="{91240B29-F687-4F45-9708-019B960494DF}">
-              <a14:hiddenLine xmlns:a14="http://schemas.microsoft.com/office/drawing/2010/main" w="9525">
-                <a:solidFill>
-                  <a:schemeClr val="tx1"/>
-                </a:solidFill>
-                <a:miter lim="800000"/>
-                <a:headEnd/>
-                <a:tailEnd/>
-              </a14:hiddenLine>
-            </a:ext>
-          </a:extLst>
         </p:spPr>
       </p:pic>
     </p:spTree>
     <p:extLst>
       <p:ext uri="{BB962C8B-B14F-4D97-AF65-F5344CB8AC3E}">
-        <p14:creationId xmlns:p14="http://schemas.microsoft.com/office/powerpoint/2010/main" val="3442784844"/>
+        <p14:creationId xmlns:p14="http://schemas.microsoft.com/office/powerpoint/2010/main" val="1239394383"/>
       </p:ext>
     </p:extLst>
   </p:cSld>
@@ -3633,8 +3599,8 @@
           <a:lstStyle/>
           <a:p>
             <a:r>
-              <a:rPr lang="en-US" dirty="0" smtClean="0"/>
-              <a:t>Hawker 800</a:t>
+              <a:rPr lang="en-US" dirty="0" err="1" smtClean="0"/>
+              <a:t>HondaJet</a:t>
             </a:r>
             <a:endParaRPr lang="en-US" dirty="0"/>
           </a:p>
@@ -3642,34 +3608,22 @@
       </p:sp>
       <p:pic>
         <p:nvPicPr>
-          <p:cNvPr id="5" name="Picture 4"/>
+          <p:cNvPr id="3" name="Picture 2"/>
           <p:cNvPicPr>
             <a:picLocks noChangeAspect="1"/>
           </p:cNvPicPr>
           <p:nvPr/>
         </p:nvPicPr>
         <p:blipFill>
-          <a:blip r:embed="rId2">
-            <a:extLst>
-              <a:ext uri="{BEBA8EAE-BF5A-486C-A8C5-ECC9F3942E4B}">
-                <a14:imgProps xmlns:a14="http://schemas.microsoft.com/office/drawing/2010/main">
-                  <a14:imgLayer r:embed="rId3">
-                    <a14:imgEffect>
-                      <a14:brightnessContrast bright="-100000" contrast="100000"/>
-                    </a14:imgEffect>
-                  </a14:imgLayer>
-                </a14:imgProps>
-              </a:ext>
-            </a:extLst>
-          </a:blip>
+          <a:blip r:embed="rId2"/>
           <a:stretch>
             <a:fillRect/>
           </a:stretch>
         </p:blipFill>
         <p:spPr>
-          <a:xfrm flipH="1">
-            <a:off x="153006" y="1311713"/>
-            <a:ext cx="14209776" cy="4724750"/>
+          <a:xfrm>
+            <a:off x="0" y="1866900"/>
+            <a:ext cx="11887200" cy="4037917"/>
           </a:xfrm>
           <a:prstGeom prst="rect">
             <a:avLst/>
@@ -3679,7 +3633,7 @@
     </p:spTree>
     <p:extLst>
       <p:ext uri="{BB962C8B-B14F-4D97-AF65-F5344CB8AC3E}">
-        <p14:creationId xmlns:p14="http://schemas.microsoft.com/office/powerpoint/2010/main" val="1239394383"/>
+        <p14:creationId xmlns:p14="http://schemas.microsoft.com/office/powerpoint/2010/main" val="550877092"/>
       </p:ext>
     </p:extLst>
   </p:cSld>
@@ -4178,14 +4132,14 @@
             <a:noFill/>
           </a:ln>
           <a:extLst>
-            <a:ext uri="{909E8E84-426E-40DD-AFC4-6F175D3DCCD1}">
+            <a:ext uri="{909E8E84-426E-40dd-AFC4-6F175D3DCCD1}">
               <a14:hiddenFill xmlns:a14="http://schemas.microsoft.com/office/drawing/2010/main">
                 <a:solidFill>
                   <a:schemeClr val="accent1"/>
                 </a:solidFill>
               </a14:hiddenFill>
             </a:ext>
-            <a:ext uri="{91240B29-F687-4F45-9708-019B960494DF}">
+            <a:ext uri="{91240B29-F687-4f45-9708-019B960494DF}">
               <a14:hiddenLine xmlns:a14="http://schemas.microsoft.com/office/drawing/2010/main" w="9525">
                 <a:solidFill>
                   <a:schemeClr val="tx1"/>
@@ -4364,85 +4318,21 @@
           </a:p>
         </p:txBody>
       </p:sp>
-      <p:pic>
-        <p:nvPicPr>
-          <p:cNvPr id="24" name="Picture 2"/>
-          <p:cNvPicPr>
-            <a:picLocks noChangeAspect="1" noChangeArrowheads="1"/>
-          </p:cNvPicPr>
+      <p:sp>
+        <p:nvSpPr>
+          <p:cNvPr id="25" name="TextBox 24"/>
+          <p:cNvSpPr txBox="1"/>
           <p:nvPr/>
-        </p:nvPicPr>
-        <p:blipFill rotWithShape="1">
-          <a:blip r:embed="rId20">
-            <a:extLst>
-              <a:ext uri="{BEBA8EAE-BF5A-486C-A8C5-ECC9F3942E4B}">
-                <a14:imgProps xmlns:a14="http://schemas.microsoft.com/office/drawing/2010/main">
-                  <a14:imgLayer r:embed="rId21">
-                    <a14:imgEffect>
-                      <a14:backgroundRemoval t="2037" b="38704" l="0" r="84896"/>
-                    </a14:imgEffect>
-                    <a14:imgEffect>
-                      <a14:brightnessContrast bright="-100000" contrast="100000"/>
-                    </a14:imgEffect>
-                  </a14:imgLayer>
-                </a14:imgProps>
-              </a:ext>
-              <a:ext uri="{28A0092B-C50C-407E-A947-70E740481C1C}">
-                <a14:useLocalDpi xmlns:a14="http://schemas.microsoft.com/office/drawing/2010/main" val="0"/>
-              </a:ext>
-            </a:extLst>
-          </a:blip>
-          <a:srcRect l="1000" t="2296" r="15000" b="63778"/>
-          <a:stretch/>
-        </p:blipFill>
-        <p:spPr bwMode="auto">
-          <a:xfrm flipH="1">
-            <a:off x="1871329" y="5681263"/>
-            <a:ext cx="2679192" cy="608666"/>
+        </p:nvSpPr>
+        <p:spPr>
+          <a:xfrm>
+            <a:off x="153005" y="5640961"/>
+            <a:ext cx="1689670" cy="369332"/>
           </a:xfrm>
           <a:prstGeom prst="rect">
             <a:avLst/>
           </a:prstGeom>
           <a:noFill/>
-          <a:ln>
-            <a:noFill/>
-          </a:ln>
-          <a:extLst>
-            <a:ext uri="{909E8E84-426E-40DD-AFC4-6F175D3DCCD1}">
-              <a14:hiddenFill xmlns:a14="http://schemas.microsoft.com/office/drawing/2010/main">
-                <a:solidFill>
-                  <a:schemeClr val="accent1"/>
-                </a:solidFill>
-              </a14:hiddenFill>
-            </a:ext>
-            <a:ext uri="{91240B29-F687-4F45-9708-019B960494DF}">
-              <a14:hiddenLine xmlns:a14="http://schemas.microsoft.com/office/drawing/2010/main" w="9525">
-                <a:solidFill>
-                  <a:schemeClr val="tx1"/>
-                </a:solidFill>
-                <a:miter lim="800000"/>
-                <a:headEnd/>
-                <a:tailEnd/>
-              </a14:hiddenLine>
-            </a:ext>
-          </a:extLst>
-        </p:spPr>
-      </p:pic>
-      <p:sp>
-        <p:nvSpPr>
-          <p:cNvPr id="25" name="TextBox 24"/>
-          <p:cNvSpPr txBox="1"/>
-          <p:nvPr/>
-        </p:nvSpPr>
-        <p:spPr>
-          <a:xfrm>
-            <a:off x="153005" y="5640961"/>
-            <a:ext cx="1689670" cy="369332"/>
-          </a:xfrm>
-          <a:prstGeom prst="rect">
-            <a:avLst/>
-          </a:prstGeom>
-          <a:noFill/>
         </p:spPr>
         <p:txBody>
           <a:bodyPr wrap="square" rtlCol="0">
@@ -4451,8 +4341,8 @@
           <a:lstStyle/>
           <a:p>
             <a:r>
-              <a:rPr lang="en-US" dirty="0" smtClean="0"/>
-              <a:t>G V</a:t>
+              <a:rPr lang="en-US" dirty="0" err="1" smtClean="0"/>
+              <a:t>HondaJet</a:t>
             </a:r>
             <a:endParaRPr lang="en-US" dirty="0"/>
           </a:p>
@@ -4467,11 +4357,11 @@
           <p:nvPr/>
         </p:nvPicPr>
         <p:blipFill>
-          <a:blip r:embed="rId22">
+          <a:blip r:embed="rId20">
             <a:extLst>
               <a:ext uri="{BEBA8EAE-BF5A-486C-A8C5-ECC9F3942E4B}">
                 <a14:imgProps xmlns:a14="http://schemas.microsoft.com/office/drawing/2010/main">
-                  <a14:imgLayer r:embed="rId23">
+                  <a14:imgLayer r:embed="rId21">
                     <a14:imgEffect>
                       <a14:brightnessContrast bright="-100000" contrast="100000"/>
                     </a14:imgEffect>
@@ -4524,6 +4414,30 @@
           </a:p>
         </p:txBody>
       </p:sp>
+      <p:pic>
+        <p:nvPicPr>
+          <p:cNvPr id="28" name="Picture 27"/>
+          <p:cNvPicPr>
+            <a:picLocks noChangeAspect="1"/>
+          </p:cNvPicPr>
+          <p:nvPr/>
+        </p:nvPicPr>
+        <p:blipFill>
+          <a:blip r:embed="rId22"/>
+          <a:stretch>
+            <a:fillRect/>
+          </a:stretch>
+        </p:blipFill>
+        <p:spPr>
+          <a:xfrm>
+            <a:off x="1842675" y="5808397"/>
+            <a:ext cx="1188720" cy="403792"/>
+          </a:xfrm>
+          <a:prstGeom prst="rect">
+            <a:avLst/>
+          </a:prstGeom>
+        </p:spPr>
+      </p:pic>
     </p:spTree>
     <p:extLst>
       <p:ext uri="{BB962C8B-B14F-4D97-AF65-F5344CB8AC3E}">
@@ -4537,7 +4451,7 @@
   <p:timing>
     <p:tnLst>
       <p:par>
-        <p:cTn id="1" dur="indefinite" restart="never" nodeType="tmRoot"/>
+        <p:cTn xmlns:p14="http://schemas.microsoft.com/office/powerpoint/2010/main" id="1" dur="indefinite" restart="never" nodeType="tmRoot"/>
       </p:par>
     </p:tnLst>
   </p:timing>
@@ -5243,14 +5157,14 @@
             <a:noFill/>
           </a:ln>
           <a:extLst>
-            <a:ext uri="{909E8E84-426E-40DD-AFC4-6F175D3DCCD1}">
+            <a:ext uri="{909E8E84-426E-40dd-AFC4-6F175D3DCCD1}">
               <a14:hiddenFill xmlns:a14="http://schemas.microsoft.com/office/drawing/2010/main">
                 <a:solidFill>
                   <a:schemeClr val="accent1"/>
                 </a:solidFill>
               </a14:hiddenFill>
             </a:ext>
-            <a:ext uri="{91240B29-F687-4F45-9708-019B960494DF}">
+            <a:ext uri="{91240B29-F687-4f45-9708-019B960494DF}">
               <a14:hiddenLine xmlns:a14="http://schemas.microsoft.com/office/drawing/2010/main" w="9525">
                 <a:solidFill>
                   <a:schemeClr val="tx1"/>
